--- a/slides/day 2/D2C2_DL_CNN.pptx
+++ b/slides/day 2/D2C2_DL_CNN.pptx
@@ -5,7 +5,7 @@
     <p:sldMasterId id="2147483648" r:id="rId1"/>
   </p:sldMasterIdLst>
   <p:notesMasterIdLst>
-    <p:notesMasterId r:id="rId36"/>
+    <p:notesMasterId r:id="rId34"/>
   </p:notesMasterIdLst>
   <p:sldIdLst>
     <p:sldId id="256" r:id="rId2"/>
@@ -34,14 +34,12 @@
     <p:sldId id="314" r:id="rId25"/>
     <p:sldId id="315" r:id="rId26"/>
     <p:sldId id="316" r:id="rId27"/>
-    <p:sldId id="283" r:id="rId28"/>
-    <p:sldId id="317" r:id="rId29"/>
-    <p:sldId id="318" r:id="rId30"/>
-    <p:sldId id="287" r:id="rId31"/>
-    <p:sldId id="319" r:id="rId32"/>
-    <p:sldId id="285" r:id="rId33"/>
-    <p:sldId id="321" r:id="rId34"/>
-    <p:sldId id="322" r:id="rId35"/>
+    <p:sldId id="317" r:id="rId28"/>
+    <p:sldId id="318" r:id="rId29"/>
+    <p:sldId id="319" r:id="rId30"/>
+    <p:sldId id="285" r:id="rId31"/>
+    <p:sldId id="321" r:id="rId32"/>
+    <p:sldId id="322" r:id="rId33"/>
   </p:sldIdLst>
   <p:sldSz cx="12192000" cy="6858000"/>
   <p:notesSz cx="6858000" cy="9144000"/>
@@ -230,7 +228,7 @@
           <a:p>
             <a:fld id="{FF5685EE-3D40-0A4E-BB88-46887330FC0A}" type="datetimeFigureOut">
               <a:rPr lang="en-US" smtClean="0"/>
-              <a:t>9/24/25</a:t>
+              <a:t>9/25/25</a:t>
             </a:fld>
             <a:endParaRPr lang="en-US"/>
           </a:p>
@@ -589,188 +587,6 @@
 </p:notes>
 </file>
 
-<file path=ppt/notesSlides/notesSlide2.xml><?xml version="1.0" encoding="utf-8"?>
-<p:notes xmlns:a="http://schemas.openxmlformats.org/drawingml/2006/main" xmlns:r="http://schemas.openxmlformats.org/officeDocument/2006/relationships" xmlns:p="http://schemas.openxmlformats.org/presentationml/2006/main">
-  <p:cSld>
-    <p:spTree>
-      <p:nvGrpSpPr>
-        <p:cNvPr id="1" name=""/>
-        <p:cNvGrpSpPr/>
-        <p:nvPr/>
-      </p:nvGrpSpPr>
-      <p:grpSpPr>
-        <a:xfrm>
-          <a:off x="0" y="0"/>
-          <a:ext cx="0" cy="0"/>
-          <a:chOff x="0" y="0"/>
-          <a:chExt cx="0" cy="0"/>
-        </a:xfrm>
-      </p:grpSpPr>
-      <p:sp>
-        <p:nvSpPr>
-          <p:cNvPr id="2" name="Slide Image Placeholder 1"/>
-          <p:cNvSpPr>
-            <a:spLocks noGrp="1" noRot="1" noChangeAspect="1"/>
-          </p:cNvSpPr>
-          <p:nvPr>
-            <p:ph type="sldImg"/>
-          </p:nvPr>
-        </p:nvSpPr>
-        <p:spPr/>
-        <p:txBody>
-          <a:bodyPr/>
-          <a:lstStyle/>
-          <a:p>
-            <a:endParaRPr/>
-          </a:p>
-        </p:txBody>
-      </p:sp>
-      <p:sp>
-        <p:nvSpPr>
-          <p:cNvPr id="3" name="Notes Placeholder 2"/>
-          <p:cNvSpPr>
-            <a:spLocks noGrp="1"/>
-          </p:cNvSpPr>
-          <p:nvPr>
-            <p:ph type="body" idx="1"/>
-          </p:nvPr>
-        </p:nvSpPr>
-        <p:spPr/>
-        <p:txBody>
-          <a:bodyPr/>
-          <a:lstStyle/>
-          <a:p>
-            <a:endParaRPr lang="en-US" dirty="0"/>
-          </a:p>
-        </p:txBody>
-      </p:sp>
-      <p:sp>
-        <p:nvSpPr>
-          <p:cNvPr id="4" name="Slide Number Placeholder 3"/>
-          <p:cNvSpPr>
-            <a:spLocks noGrp="1"/>
-          </p:cNvSpPr>
-          <p:nvPr>
-            <p:ph type="sldNum" sz="quarter" idx="10"/>
-          </p:nvPr>
-        </p:nvSpPr>
-        <p:spPr/>
-        <p:txBody>
-          <a:bodyPr/>
-          <a:lstStyle/>
-          <a:p>
-            <a:fld id="{F7021451-1387-4CA6-816F-3879F97B5CBC}" type="slidenum">
-              <a:rPr lang="en-US"/>
-              <a:t>27</a:t>
-            </a:fld>
-            <a:endParaRPr lang="en-US"/>
-          </a:p>
-        </p:txBody>
-      </p:sp>
-    </p:spTree>
-    <p:extLst>
-      <p:ext uri="{BB962C8B-B14F-4D97-AF65-F5344CB8AC3E}">
-        <p14:creationId xmlns:p14="http://schemas.microsoft.com/office/powerpoint/2010/main" val="1024086991"/>
-      </p:ext>
-    </p:extLst>
-  </p:cSld>
-  <p:clrMapOvr>
-    <a:masterClrMapping/>
-  </p:clrMapOvr>
-</p:notes>
-</file>
-
-<file path=ppt/notesSlides/notesSlide3.xml><?xml version="1.0" encoding="utf-8"?>
-<p:notes xmlns:a="http://schemas.openxmlformats.org/drawingml/2006/main" xmlns:r="http://schemas.openxmlformats.org/officeDocument/2006/relationships" xmlns:p="http://schemas.openxmlformats.org/presentationml/2006/main">
-  <p:cSld>
-    <p:spTree>
-      <p:nvGrpSpPr>
-        <p:cNvPr id="1" name=""/>
-        <p:cNvGrpSpPr/>
-        <p:nvPr/>
-      </p:nvGrpSpPr>
-      <p:grpSpPr>
-        <a:xfrm>
-          <a:off x="0" y="0"/>
-          <a:ext cx="0" cy="0"/>
-          <a:chOff x="0" y="0"/>
-          <a:chExt cx="0" cy="0"/>
-        </a:xfrm>
-      </p:grpSpPr>
-      <p:sp>
-        <p:nvSpPr>
-          <p:cNvPr id="2" name="Slide Image Placeholder 1"/>
-          <p:cNvSpPr>
-            <a:spLocks noGrp="1" noRot="1" noChangeAspect="1"/>
-          </p:cNvSpPr>
-          <p:nvPr>
-            <p:ph type="sldImg"/>
-          </p:nvPr>
-        </p:nvSpPr>
-        <p:spPr/>
-        <p:txBody>
-          <a:bodyPr/>
-          <a:lstStyle/>
-          <a:p>
-            <a:endParaRPr/>
-          </a:p>
-        </p:txBody>
-      </p:sp>
-      <p:sp>
-        <p:nvSpPr>
-          <p:cNvPr id="3" name="Notes Placeholder 2"/>
-          <p:cNvSpPr>
-            <a:spLocks noGrp="1"/>
-          </p:cNvSpPr>
-          <p:nvPr>
-            <p:ph type="body" idx="1"/>
-          </p:nvPr>
-        </p:nvSpPr>
-        <p:spPr/>
-        <p:txBody>
-          <a:bodyPr/>
-          <a:lstStyle/>
-          <a:p>
-            <a:endParaRPr lang="en-US" dirty="0"/>
-          </a:p>
-        </p:txBody>
-      </p:sp>
-      <p:sp>
-        <p:nvSpPr>
-          <p:cNvPr id="4" name="Slide Number Placeholder 3"/>
-          <p:cNvSpPr>
-            <a:spLocks noGrp="1"/>
-          </p:cNvSpPr>
-          <p:nvPr>
-            <p:ph type="sldNum" sz="quarter" idx="10"/>
-          </p:nvPr>
-        </p:nvSpPr>
-        <p:spPr/>
-        <p:txBody>
-          <a:bodyPr/>
-          <a:lstStyle/>
-          <a:p>
-            <a:fld id="{F7021451-1387-4CA6-816F-3879F97B5CBC}" type="slidenum">
-              <a:rPr lang="en-US"/>
-              <a:t>30</a:t>
-            </a:fld>
-            <a:endParaRPr lang="en-US"/>
-          </a:p>
-        </p:txBody>
-      </p:sp>
-    </p:spTree>
-    <p:extLst>
-      <p:ext uri="{BB962C8B-B14F-4D97-AF65-F5344CB8AC3E}">
-        <p14:creationId xmlns:p14="http://schemas.microsoft.com/office/powerpoint/2010/main" val="1024086991"/>
-      </p:ext>
-    </p:extLst>
-  </p:cSld>
-  <p:clrMapOvr>
-    <a:masterClrMapping/>
-  </p:clrMapOvr>
-</p:notes>
-</file>
-
 <file path=ppt/slideLayouts/slideLayout1.xml><?xml version="1.0" encoding="utf-8"?>
 <p:sldLayout xmlns:a="http://schemas.openxmlformats.org/drawingml/2006/main" xmlns:r="http://schemas.openxmlformats.org/officeDocument/2006/relationships" xmlns:p="http://schemas.openxmlformats.org/presentationml/2006/main" preserve="1" userDrawn="1">
   <p:cSld name="Title Slide Colour">
@@ -888,7 +704,7 @@
             <a:fld id="{16F2FB5F-D553-C945-B874-A642CC0C851F}" type="datetime3">
               <a:rPr lang="en-IE" smtClean="0"/>
               <a:pPr/>
-              <a:t>24 September 2025</a:t>
+              <a:t>25 September 2025</a:t>
             </a:fld>
             <a:endParaRPr lang="en-US" dirty="0"/>
           </a:p>
@@ -1746,7 +1562,7 @@
             <a:fld id="{16F2FB5F-D553-C945-B874-A642CC0C851F}" type="datetime3">
               <a:rPr lang="en-IE" smtClean="0"/>
               <a:pPr/>
-              <a:t>24 September 2025</a:t>
+              <a:t>25 September 2025</a:t>
             </a:fld>
             <a:endParaRPr lang="en-US" dirty="0"/>
           </a:p>
@@ -2024,7 +1840,7 @@
             <a:fld id="{16F2FB5F-D553-C945-B874-A642CC0C851F}" type="datetime3">
               <a:rPr lang="en-IE" smtClean="0"/>
               <a:pPr/>
-              <a:t>24 September 2025</a:t>
+              <a:t>25 September 2025</a:t>
             </a:fld>
             <a:endParaRPr lang="en-US" dirty="0"/>
           </a:p>
@@ -4116,8 +3932,8 @@
           </a:p>
         </p:txBody>
       </p:sp>
-      <mc:AlternateContent xmlns:mc="http://schemas.openxmlformats.org/markup-compatibility/2006">
-        <mc:Choice xmlns:a14="http://schemas.microsoft.com/office/drawing/2010/main" Requires="a14">
+      <mc:AlternateContent xmlns:mc="http://schemas.openxmlformats.org/markup-compatibility/2006" xmlns:a14="http://schemas.microsoft.com/office/drawing/2010/main">
+        <mc:Choice Requires="a14">
           <p:sp>
             <p:nvSpPr>
               <p:cNvPr id="4" name="Content Placeholder 3">
@@ -4232,7 +4048,7 @@
             </p:txBody>
           </p:sp>
         </mc:Choice>
-        <mc:Fallback>
+        <mc:Fallback xmlns="">
           <p:sp>
             <p:nvSpPr>
               <p:cNvPr id="4" name="Content Placeholder 3">
@@ -5274,7 +5090,11 @@
           </a:p>
           <a:p>
             <a:r>
-              <a:rPr lang="en-US" dirty="0"/>
+              <a:rPr lang="en-US" dirty="0">
+                <a:solidFill>
+                  <a:srgbClr val="009749"/>
+                </a:solidFill>
+              </a:rPr>
               <a:t>Output sequence: [−1, −1, 4]</a:t>
             </a:r>
           </a:p>
@@ -6135,8 +5955,8 @@
           </a:p>
         </p:txBody>
       </p:sp>
-      <mc:AlternateContent xmlns:mc="http://schemas.openxmlformats.org/markup-compatibility/2006">
-        <mc:Choice xmlns:a14="http://schemas.microsoft.com/office/drawing/2010/main" Requires="a14">
+      <mc:AlternateContent xmlns:mc="http://schemas.openxmlformats.org/markup-compatibility/2006" xmlns:a14="http://schemas.microsoft.com/office/drawing/2010/main">
+        <mc:Choice Requires="a14">
           <p:sp>
             <p:nvSpPr>
               <p:cNvPr id="3" name="Content Placeholder 2">
@@ -6282,7 +6102,7 @@
             </p:txBody>
           </p:sp>
         </mc:Choice>
-        <mc:Fallback>
+        <mc:Fallback xmlns="">
           <p:sp>
             <p:nvSpPr>
               <p:cNvPr id="3" name="Content Placeholder 2">
@@ -6357,7 +6177,7 @@
           <a:p>
             <a:fld id="{BEF41344-4D35-F145-B477-F6239A2130EE}" type="datetime3">
               <a:rPr lang="en-IE" smtClean="0"/>
-              <a:t>24 September 2025</a:t>
+              <a:t>25 September 2025</a:t>
             </a:fld>
             <a:endParaRPr lang="en-US"/>
           </a:p>
@@ -7265,7 +7085,7 @@
           <a:p>
             <a:fld id="{BEF41344-4D35-F145-B477-F6239A2130EE}" type="datetime3">
               <a:rPr lang="en-IE" smtClean="0"/>
-              <a:t>24 September 2025</a:t>
+              <a:t>25 September 2025</a:t>
             </a:fld>
             <a:endParaRPr lang="en-US"/>
           </a:p>
@@ -8575,8 +8395,8 @@
           </a:p>
         </p:txBody>
       </p:sp>
-      <mc:AlternateContent xmlns:mc="http://schemas.openxmlformats.org/markup-compatibility/2006">
-        <mc:Choice xmlns:a14="http://schemas.microsoft.com/office/drawing/2010/main" Requires="a14">
+      <mc:AlternateContent xmlns:mc="http://schemas.openxmlformats.org/markup-compatibility/2006" xmlns:a14="http://schemas.microsoft.com/office/drawing/2010/main">
+        <mc:Choice Requires="a14">
           <p:sp>
             <p:nvSpPr>
               <p:cNvPr id="3" name="Content Placeholder 2">
@@ -8646,7 +8466,7 @@
             </p:txBody>
           </p:sp>
         </mc:Choice>
-        <mc:Fallback>
+        <mc:Fallback xmlns="">
           <p:sp>
             <p:nvSpPr>
               <p:cNvPr id="3" name="Content Placeholder 2">
@@ -11474,8 +11294,8 @@
           </a:p>
         </p:txBody>
       </p:sp>
-      <mc:AlternateContent xmlns:mc="http://schemas.openxmlformats.org/markup-compatibility/2006">
-        <mc:Choice xmlns:a14="http://schemas.microsoft.com/office/drawing/2010/main" Requires="a14">
+      <mc:AlternateContent xmlns:mc="http://schemas.openxmlformats.org/markup-compatibility/2006" xmlns:a14="http://schemas.microsoft.com/office/drawing/2010/main">
+        <mc:Choice Requires="a14">
           <p:sp>
             <p:nvSpPr>
               <p:cNvPr id="3" name="Content Placeholder 2">
@@ -11598,7 +11418,7 @@
             </p:txBody>
           </p:sp>
         </mc:Choice>
-        <mc:Fallback>
+        <mc:Fallback xmlns="">
           <p:sp>
             <p:nvSpPr>
               <p:cNvPr id="3" name="Content Placeholder 2">
@@ -12841,7 +12661,7 @@
           <a:p>
             <a:r>
               <a:rPr lang="en-US" dirty="0"/>
-              <a:t>Weight decay (also known L2 regularization and dilution): </a:t>
+              <a:t>Weight decay (also known L2 regularization or dilution): </a:t>
             </a:r>
             <a:r>
               <a:rPr lang="en-US" dirty="0" err="1"/>
@@ -13186,1303 +13006,104 @@
       </p:grpSpPr>
       <p:sp>
         <p:nvSpPr>
-          <p:cNvPr id="2" name="Text 0"/>
-          <p:cNvSpPr/>
-          <p:nvPr/>
-        </p:nvSpPr>
-        <p:spPr>
-          <a:xfrm>
-            <a:off x="365760" y="365760"/>
-            <a:ext cx="11460480" cy="670560"/>
-          </a:xfrm>
-          <a:prstGeom prst="rect">
-            <a:avLst/>
-          </a:prstGeom>
-          <a:noFill/>
-          <a:ln/>
-        </p:spPr>
-        <p:txBody>
-          <a:bodyPr wrap="square" rtlCol="0" anchor="ctr"/>
-          <a:lstStyle/>
-          <a:p>
-            <a:r>
-              <a:rPr lang="en-US" sz="3200" dirty="0">
+          <p:cNvPr id="2" name="Title 1">
+            <a:extLst>
+              <a:ext uri="{FF2B5EF4-FFF2-40B4-BE49-F238E27FC236}">
+                <a16:creationId xmlns:a16="http://schemas.microsoft.com/office/drawing/2014/main" id="{B761C42A-DC3C-8F84-D9EA-D908CA8882E4}"/>
+              </a:ext>
+            </a:extLst>
+          </p:cNvPr>
+          <p:cNvSpPr>
+            <a:spLocks noGrp="1"/>
+          </p:cNvSpPr>
+          <p:nvPr>
+            <p:ph type="title"/>
+          </p:nvPr>
+        </p:nvSpPr>
+        <p:spPr/>
+        <p:txBody>
+          <a:bodyPr/>
+          <a:lstStyle/>
+          <a:p>
+            <a:r>
+              <a:rPr lang="en-US" dirty="0"/>
+              <a:t>A technical aside</a:t>
+            </a:r>
+          </a:p>
+        </p:txBody>
+      </p:sp>
+      <p:sp>
+        <p:nvSpPr>
+          <p:cNvPr id="3" name="Content Placeholder 2">
+            <a:extLst>
+              <a:ext uri="{FF2B5EF4-FFF2-40B4-BE49-F238E27FC236}">
+                <a16:creationId xmlns:a16="http://schemas.microsoft.com/office/drawing/2014/main" id="{4078E805-D582-84E7-4540-D73589D39C17}"/>
+              </a:ext>
+            </a:extLst>
+          </p:cNvPr>
+          <p:cNvSpPr>
+            <a:spLocks noGrp="1"/>
+          </p:cNvSpPr>
+          <p:nvPr>
+            <p:ph idx="1"/>
+          </p:nvPr>
+        </p:nvSpPr>
+        <p:spPr/>
+        <p:txBody>
+          <a:bodyPr>
+            <a:normAutofit lnSpcReduction="10000"/>
+          </a:bodyPr>
+          <a:lstStyle/>
+          <a:p>
+            <a:r>
+              <a:rPr lang="en-US" dirty="0"/>
+              <a:t>Convolution can be reinterpreted as a matrix multiplication by unrolling the input into patches (im2col) and flattening the filter.</a:t>
+            </a:r>
+          </a:p>
+          <a:p>
+            <a:r>
+              <a:rPr lang="en-US" dirty="0"/>
+              <a:t>This representation allows us to leverage highly </a:t>
+            </a:r>
+            <a:r>
+              <a:rPr lang="en-US" dirty="0" err="1"/>
+              <a:t>optimised</a:t>
+            </a:r>
+            <a:r>
+              <a:rPr lang="en-US" dirty="0"/>
+              <a:t> matrix multiplication routines (e.g. BLAS) but at the cost of increased memory.</a:t>
+            </a:r>
+          </a:p>
+          <a:p>
+            <a:r>
+              <a:rPr lang="en-US" dirty="0"/>
+              <a:t>Illustration: 2×2 filter applied to a 3×3 input yields a Toeplitz matrix of size 4×9 multiplied by the flattened filter vector.</a:t>
+            </a:r>
+          </a:p>
+          <a:p>
+            <a:r>
+              <a:rPr lang="en-US" dirty="0">
                 <a:solidFill>
-                  <a:srgbClr val="030A18"/>
-                </a:solidFill>
-                <a:latin typeface="Arial" pitchFamily="34" charset="0"/>
-                <a:ea typeface="Arial" pitchFamily="34" charset="-122"/>
-                <a:cs typeface="Arial" pitchFamily="34" charset="-120"/>
-              </a:rPr>
-              <a:t>Convolution as matrix multiplication</a:t>
-            </a:r>
-            <a:endParaRPr lang="en-US" sz="3200" dirty="0"/>
-          </a:p>
-        </p:txBody>
-      </p:sp>
-      <p:sp>
-        <p:nvSpPr>
-          <p:cNvPr id="3" name="Text 1"/>
-          <p:cNvSpPr/>
-          <p:nvPr/>
-        </p:nvSpPr>
-        <p:spPr>
-          <a:xfrm>
-            <a:off x="853440" y="1950720"/>
-            <a:ext cx="7680960" cy="2804160"/>
-          </a:xfrm>
-          <a:prstGeom prst="rect">
-            <a:avLst/>
-          </a:prstGeom>
-          <a:noFill/>
-          <a:ln/>
-        </p:spPr>
-        <p:txBody>
-          <a:bodyPr wrap="square" rtlCol="0" anchor="ctr"/>
-          <a:lstStyle/>
-          <a:p>
-            <a:r>
-              <a:rPr lang="en-US" sz="1600" b="1" dirty="0">
-                <a:solidFill>
-                  <a:srgbClr val="030A18"/>
+                  <a:srgbClr val="009749"/>
                 </a:solidFill>
               </a:rPr>
-              <a:t>Convolution can be reinterpreted as a matrix multiplication by unrolling the input into patches (im2col) and flattening the filter.
-</a:t>
-            </a:r>
-            <a:r>
-              <a:rPr lang="en-US" sz="1600" dirty="0">
-                <a:solidFill>
-                  <a:srgbClr val="030A18"/>
-                </a:solidFill>
-              </a:rPr>
-              <a:t>This representation allows us to leverage highly optimised matrix multiplication routines (e.g. BLAS) but at the cost of increased memory.
-Illustration: 2×2 filter applied to a 3×3 input yields a Toeplitz matrix of size 4×9 multiplied by the flattened filter vector.</a:t>
-            </a:r>
-            <a:endParaRPr lang="en-US" sz="1600" dirty="0"/>
-          </a:p>
-        </p:txBody>
-      </p:sp>
-      <p:sp>
-        <p:nvSpPr>
-          <p:cNvPr id="4" name="Shape 2"/>
-          <p:cNvSpPr/>
-          <p:nvPr/>
-        </p:nvSpPr>
-        <p:spPr>
-          <a:xfrm>
-            <a:off x="8900160" y="2438400"/>
-            <a:ext cx="182880" cy="182880"/>
-          </a:xfrm>
-          <a:prstGeom prst="rect">
-            <a:avLst/>
-          </a:prstGeom>
-          <a:solidFill>
-            <a:srgbClr val="FFE699"/>
-          </a:solidFill>
-          <a:ln w="12700">
-            <a:solidFill>
-              <a:srgbClr val="030A18"/>
-            </a:solidFill>
-            <a:prstDash val="solid"/>
-          </a:ln>
-        </p:spPr>
-        <p:txBody>
-          <a:bodyPr/>
-          <a:lstStyle/>
-          <a:p>
-            <a:endParaRPr sz="2400"/>
-          </a:p>
-        </p:txBody>
-      </p:sp>
-      <p:sp>
-        <p:nvSpPr>
-          <p:cNvPr id="5" name="Shape 3"/>
-          <p:cNvSpPr/>
-          <p:nvPr/>
-        </p:nvSpPr>
-        <p:spPr>
-          <a:xfrm>
-            <a:off x="9083040" y="2438400"/>
-            <a:ext cx="182880" cy="182880"/>
-          </a:xfrm>
-          <a:prstGeom prst="rect">
-            <a:avLst/>
-          </a:prstGeom>
-          <a:solidFill>
-            <a:srgbClr val="FFE699"/>
-          </a:solidFill>
-          <a:ln w="12700">
-            <a:solidFill>
-              <a:srgbClr val="030A18"/>
-            </a:solidFill>
-            <a:prstDash val="solid"/>
-          </a:ln>
-        </p:spPr>
-        <p:txBody>
-          <a:bodyPr/>
-          <a:lstStyle/>
-          <a:p>
-            <a:endParaRPr sz="2400"/>
-          </a:p>
-        </p:txBody>
-      </p:sp>
-      <p:sp>
-        <p:nvSpPr>
-          <p:cNvPr id="6" name="Shape 4"/>
-          <p:cNvSpPr/>
-          <p:nvPr/>
-        </p:nvSpPr>
-        <p:spPr>
-          <a:xfrm>
-            <a:off x="9265920" y="2438400"/>
-            <a:ext cx="182880" cy="182880"/>
-          </a:xfrm>
-          <a:prstGeom prst="rect">
-            <a:avLst/>
-          </a:prstGeom>
-          <a:solidFill>
-            <a:srgbClr val="F5F5F5"/>
-          </a:solidFill>
-          <a:ln w="12700">
-            <a:solidFill>
-              <a:srgbClr val="030A18"/>
-            </a:solidFill>
-            <a:prstDash val="solid"/>
-          </a:ln>
-        </p:spPr>
-        <p:txBody>
-          <a:bodyPr/>
-          <a:lstStyle/>
-          <a:p>
-            <a:endParaRPr sz="2400"/>
-          </a:p>
-        </p:txBody>
-      </p:sp>
-      <p:sp>
-        <p:nvSpPr>
-          <p:cNvPr id="7" name="Shape 5"/>
-          <p:cNvSpPr/>
-          <p:nvPr/>
-        </p:nvSpPr>
-        <p:spPr>
-          <a:xfrm>
-            <a:off x="9448800" y="2438400"/>
-            <a:ext cx="182880" cy="182880"/>
-          </a:xfrm>
-          <a:prstGeom prst="rect">
-            <a:avLst/>
-          </a:prstGeom>
-          <a:solidFill>
-            <a:srgbClr val="FFE699"/>
-          </a:solidFill>
-          <a:ln w="12700">
-            <a:solidFill>
-              <a:srgbClr val="030A18"/>
-            </a:solidFill>
-            <a:prstDash val="solid"/>
-          </a:ln>
-        </p:spPr>
-        <p:txBody>
-          <a:bodyPr/>
-          <a:lstStyle/>
-          <a:p>
-            <a:endParaRPr sz="2400"/>
-          </a:p>
-        </p:txBody>
-      </p:sp>
-      <p:sp>
-        <p:nvSpPr>
-          <p:cNvPr id="8" name="Shape 6"/>
-          <p:cNvSpPr/>
-          <p:nvPr/>
-        </p:nvSpPr>
-        <p:spPr>
-          <a:xfrm>
-            <a:off x="9631680" y="2438400"/>
-            <a:ext cx="182880" cy="182880"/>
-          </a:xfrm>
-          <a:prstGeom prst="rect">
-            <a:avLst/>
-          </a:prstGeom>
-          <a:solidFill>
-            <a:srgbClr val="FFE699"/>
-          </a:solidFill>
-          <a:ln w="12700">
-            <a:solidFill>
-              <a:srgbClr val="030A18"/>
-            </a:solidFill>
-            <a:prstDash val="solid"/>
-          </a:ln>
-        </p:spPr>
-        <p:txBody>
-          <a:bodyPr/>
-          <a:lstStyle/>
-          <a:p>
-            <a:endParaRPr sz="2400"/>
-          </a:p>
-        </p:txBody>
-      </p:sp>
-      <p:sp>
-        <p:nvSpPr>
-          <p:cNvPr id="9" name="Shape 7"/>
-          <p:cNvSpPr/>
-          <p:nvPr/>
-        </p:nvSpPr>
-        <p:spPr>
-          <a:xfrm>
-            <a:off x="9814560" y="2438400"/>
-            <a:ext cx="182880" cy="182880"/>
-          </a:xfrm>
-          <a:prstGeom prst="rect">
-            <a:avLst/>
-          </a:prstGeom>
-          <a:solidFill>
-            <a:srgbClr val="F5F5F5"/>
-          </a:solidFill>
-          <a:ln w="12700">
-            <a:solidFill>
-              <a:srgbClr val="030A18"/>
-            </a:solidFill>
-            <a:prstDash val="solid"/>
-          </a:ln>
-        </p:spPr>
-        <p:txBody>
-          <a:bodyPr/>
-          <a:lstStyle/>
-          <a:p>
-            <a:endParaRPr sz="2400"/>
-          </a:p>
-        </p:txBody>
-      </p:sp>
-      <p:sp>
-        <p:nvSpPr>
-          <p:cNvPr id="10" name="Shape 8"/>
-          <p:cNvSpPr/>
-          <p:nvPr/>
-        </p:nvSpPr>
-        <p:spPr>
-          <a:xfrm>
-            <a:off x="9997440" y="2438400"/>
-            <a:ext cx="182880" cy="182880"/>
-          </a:xfrm>
-          <a:prstGeom prst="rect">
-            <a:avLst/>
-          </a:prstGeom>
-          <a:solidFill>
-            <a:srgbClr val="FFE699"/>
-          </a:solidFill>
-          <a:ln w="12700">
-            <a:solidFill>
-              <a:srgbClr val="030A18"/>
-            </a:solidFill>
-            <a:prstDash val="solid"/>
-          </a:ln>
-        </p:spPr>
-        <p:txBody>
-          <a:bodyPr/>
-          <a:lstStyle/>
-          <a:p>
-            <a:endParaRPr sz="2400"/>
-          </a:p>
-        </p:txBody>
-      </p:sp>
-      <p:sp>
-        <p:nvSpPr>
-          <p:cNvPr id="11" name="Shape 9"/>
-          <p:cNvSpPr/>
-          <p:nvPr/>
-        </p:nvSpPr>
-        <p:spPr>
-          <a:xfrm>
-            <a:off x="10180320" y="2438400"/>
-            <a:ext cx="182880" cy="182880"/>
-          </a:xfrm>
-          <a:prstGeom prst="rect">
-            <a:avLst/>
-          </a:prstGeom>
-          <a:solidFill>
-            <a:srgbClr val="FFE699"/>
-          </a:solidFill>
-          <a:ln w="12700">
-            <a:solidFill>
-              <a:srgbClr val="030A18"/>
-            </a:solidFill>
-            <a:prstDash val="solid"/>
-          </a:ln>
-        </p:spPr>
-        <p:txBody>
-          <a:bodyPr/>
-          <a:lstStyle/>
-          <a:p>
-            <a:endParaRPr sz="2400"/>
-          </a:p>
-        </p:txBody>
-      </p:sp>
-      <p:sp>
-        <p:nvSpPr>
-          <p:cNvPr id="12" name="Shape 10"/>
-          <p:cNvSpPr/>
-          <p:nvPr/>
-        </p:nvSpPr>
-        <p:spPr>
-          <a:xfrm>
-            <a:off x="10363200" y="2438400"/>
-            <a:ext cx="182880" cy="182880"/>
-          </a:xfrm>
-          <a:prstGeom prst="rect">
-            <a:avLst/>
-          </a:prstGeom>
-          <a:solidFill>
-            <a:srgbClr val="F5F5F5"/>
-          </a:solidFill>
-          <a:ln w="12700">
-            <a:solidFill>
-              <a:srgbClr val="030A18"/>
-            </a:solidFill>
-            <a:prstDash val="solid"/>
-          </a:ln>
-        </p:spPr>
-        <p:txBody>
-          <a:bodyPr/>
-          <a:lstStyle/>
-          <a:p>
-            <a:endParaRPr sz="2400"/>
-          </a:p>
-        </p:txBody>
-      </p:sp>
-      <p:sp>
-        <p:nvSpPr>
-          <p:cNvPr id="13" name="Shape 11"/>
-          <p:cNvSpPr/>
-          <p:nvPr/>
-        </p:nvSpPr>
-        <p:spPr>
-          <a:xfrm>
-            <a:off x="8900160" y="2621280"/>
-            <a:ext cx="182880" cy="182880"/>
-          </a:xfrm>
-          <a:prstGeom prst="rect">
-            <a:avLst/>
-          </a:prstGeom>
-          <a:solidFill>
-            <a:srgbClr val="FFE699"/>
-          </a:solidFill>
-          <a:ln w="12700">
-            <a:solidFill>
-              <a:srgbClr val="030A18"/>
-            </a:solidFill>
-            <a:prstDash val="solid"/>
-          </a:ln>
-        </p:spPr>
-        <p:txBody>
-          <a:bodyPr/>
-          <a:lstStyle/>
-          <a:p>
-            <a:endParaRPr sz="2400"/>
-          </a:p>
-        </p:txBody>
-      </p:sp>
-      <p:sp>
-        <p:nvSpPr>
-          <p:cNvPr id="14" name="Shape 12"/>
-          <p:cNvSpPr/>
-          <p:nvPr/>
-        </p:nvSpPr>
-        <p:spPr>
-          <a:xfrm>
-            <a:off x="9083040" y="2621280"/>
-            <a:ext cx="182880" cy="182880"/>
-          </a:xfrm>
-          <a:prstGeom prst="rect">
-            <a:avLst/>
-          </a:prstGeom>
-          <a:solidFill>
-            <a:srgbClr val="FFE699"/>
-          </a:solidFill>
-          <a:ln w="12700">
-            <a:solidFill>
-              <a:srgbClr val="030A18"/>
-            </a:solidFill>
-            <a:prstDash val="solid"/>
-          </a:ln>
-        </p:spPr>
-        <p:txBody>
-          <a:bodyPr/>
-          <a:lstStyle/>
-          <a:p>
-            <a:endParaRPr sz="2400"/>
-          </a:p>
-        </p:txBody>
-      </p:sp>
-      <p:sp>
-        <p:nvSpPr>
-          <p:cNvPr id="15" name="Shape 13"/>
-          <p:cNvSpPr/>
-          <p:nvPr/>
-        </p:nvSpPr>
-        <p:spPr>
-          <a:xfrm>
-            <a:off x="9265920" y="2621280"/>
-            <a:ext cx="182880" cy="182880"/>
-          </a:xfrm>
-          <a:prstGeom prst="rect">
-            <a:avLst/>
-          </a:prstGeom>
-          <a:solidFill>
-            <a:srgbClr val="F5F5F5"/>
-          </a:solidFill>
-          <a:ln w="12700">
-            <a:solidFill>
-              <a:srgbClr val="030A18"/>
-            </a:solidFill>
-            <a:prstDash val="solid"/>
-          </a:ln>
-        </p:spPr>
-        <p:txBody>
-          <a:bodyPr/>
-          <a:lstStyle/>
-          <a:p>
-            <a:endParaRPr sz="2400"/>
-          </a:p>
-        </p:txBody>
-      </p:sp>
-      <p:sp>
-        <p:nvSpPr>
-          <p:cNvPr id="16" name="Shape 14"/>
-          <p:cNvSpPr/>
-          <p:nvPr/>
-        </p:nvSpPr>
-        <p:spPr>
-          <a:xfrm>
-            <a:off x="9448800" y="2621280"/>
-            <a:ext cx="182880" cy="182880"/>
-          </a:xfrm>
-          <a:prstGeom prst="rect">
-            <a:avLst/>
-          </a:prstGeom>
-          <a:solidFill>
-            <a:srgbClr val="FFE699"/>
-          </a:solidFill>
-          <a:ln w="12700">
-            <a:solidFill>
-              <a:srgbClr val="030A18"/>
-            </a:solidFill>
-            <a:prstDash val="solid"/>
-          </a:ln>
-        </p:spPr>
-        <p:txBody>
-          <a:bodyPr/>
-          <a:lstStyle/>
-          <a:p>
-            <a:endParaRPr sz="2400"/>
-          </a:p>
-        </p:txBody>
-      </p:sp>
-      <p:sp>
-        <p:nvSpPr>
-          <p:cNvPr id="17" name="Shape 15"/>
-          <p:cNvSpPr/>
-          <p:nvPr/>
-        </p:nvSpPr>
-        <p:spPr>
-          <a:xfrm>
-            <a:off x="9631680" y="2621280"/>
-            <a:ext cx="182880" cy="182880"/>
-          </a:xfrm>
-          <a:prstGeom prst="rect">
-            <a:avLst/>
-          </a:prstGeom>
-          <a:solidFill>
-            <a:srgbClr val="FFE699"/>
-          </a:solidFill>
-          <a:ln w="12700">
-            <a:solidFill>
-              <a:srgbClr val="030A18"/>
-            </a:solidFill>
-            <a:prstDash val="solid"/>
-          </a:ln>
-        </p:spPr>
-        <p:txBody>
-          <a:bodyPr/>
-          <a:lstStyle/>
-          <a:p>
-            <a:endParaRPr sz="2400"/>
-          </a:p>
-        </p:txBody>
-      </p:sp>
-      <p:sp>
-        <p:nvSpPr>
-          <p:cNvPr id="18" name="Shape 16"/>
-          <p:cNvSpPr/>
-          <p:nvPr/>
-        </p:nvSpPr>
-        <p:spPr>
-          <a:xfrm>
-            <a:off x="9814560" y="2621280"/>
-            <a:ext cx="182880" cy="182880"/>
-          </a:xfrm>
-          <a:prstGeom prst="rect">
-            <a:avLst/>
-          </a:prstGeom>
-          <a:solidFill>
-            <a:srgbClr val="F5F5F5"/>
-          </a:solidFill>
-          <a:ln w="12700">
-            <a:solidFill>
-              <a:srgbClr val="030A18"/>
-            </a:solidFill>
-            <a:prstDash val="solid"/>
-          </a:ln>
-        </p:spPr>
-        <p:txBody>
-          <a:bodyPr/>
-          <a:lstStyle/>
-          <a:p>
-            <a:endParaRPr sz="2400"/>
-          </a:p>
-        </p:txBody>
-      </p:sp>
-      <p:sp>
-        <p:nvSpPr>
-          <p:cNvPr id="19" name="Shape 17"/>
-          <p:cNvSpPr/>
-          <p:nvPr/>
-        </p:nvSpPr>
-        <p:spPr>
-          <a:xfrm>
-            <a:off x="9997440" y="2621280"/>
-            <a:ext cx="182880" cy="182880"/>
-          </a:xfrm>
-          <a:prstGeom prst="rect">
-            <a:avLst/>
-          </a:prstGeom>
-          <a:solidFill>
-            <a:srgbClr val="FFE699"/>
-          </a:solidFill>
-          <a:ln w="12700">
-            <a:solidFill>
-              <a:srgbClr val="030A18"/>
-            </a:solidFill>
-            <a:prstDash val="solid"/>
-          </a:ln>
-        </p:spPr>
-        <p:txBody>
-          <a:bodyPr/>
-          <a:lstStyle/>
-          <a:p>
-            <a:endParaRPr sz="2400"/>
-          </a:p>
-        </p:txBody>
-      </p:sp>
-      <p:sp>
-        <p:nvSpPr>
-          <p:cNvPr id="20" name="Shape 18"/>
-          <p:cNvSpPr/>
-          <p:nvPr/>
-        </p:nvSpPr>
-        <p:spPr>
-          <a:xfrm>
-            <a:off x="10180320" y="2621280"/>
-            <a:ext cx="182880" cy="182880"/>
-          </a:xfrm>
-          <a:prstGeom prst="rect">
-            <a:avLst/>
-          </a:prstGeom>
-          <a:solidFill>
-            <a:srgbClr val="FFE699"/>
-          </a:solidFill>
-          <a:ln w="12700">
-            <a:solidFill>
-              <a:srgbClr val="030A18"/>
-            </a:solidFill>
-            <a:prstDash val="solid"/>
-          </a:ln>
-        </p:spPr>
-        <p:txBody>
-          <a:bodyPr/>
-          <a:lstStyle/>
-          <a:p>
-            <a:endParaRPr sz="2400"/>
-          </a:p>
-        </p:txBody>
-      </p:sp>
-      <p:sp>
-        <p:nvSpPr>
-          <p:cNvPr id="21" name="Shape 19"/>
-          <p:cNvSpPr/>
-          <p:nvPr/>
-        </p:nvSpPr>
-        <p:spPr>
-          <a:xfrm>
-            <a:off x="10363200" y="2621280"/>
-            <a:ext cx="182880" cy="182880"/>
-          </a:xfrm>
-          <a:prstGeom prst="rect">
-            <a:avLst/>
-          </a:prstGeom>
-          <a:solidFill>
-            <a:srgbClr val="F5F5F5"/>
-          </a:solidFill>
-          <a:ln w="12700">
-            <a:solidFill>
-              <a:srgbClr val="030A18"/>
-            </a:solidFill>
-            <a:prstDash val="solid"/>
-          </a:ln>
-        </p:spPr>
-        <p:txBody>
-          <a:bodyPr/>
-          <a:lstStyle/>
-          <a:p>
-            <a:endParaRPr sz="2400"/>
-          </a:p>
-        </p:txBody>
-      </p:sp>
-      <p:sp>
-        <p:nvSpPr>
-          <p:cNvPr id="22" name="Shape 20"/>
-          <p:cNvSpPr/>
-          <p:nvPr/>
-        </p:nvSpPr>
-        <p:spPr>
-          <a:xfrm>
-            <a:off x="8900160" y="2804160"/>
-            <a:ext cx="182880" cy="182880"/>
-          </a:xfrm>
-          <a:prstGeom prst="rect">
-            <a:avLst/>
-          </a:prstGeom>
-          <a:solidFill>
-            <a:srgbClr val="FFE699"/>
-          </a:solidFill>
-          <a:ln w="12700">
-            <a:solidFill>
-              <a:srgbClr val="030A18"/>
-            </a:solidFill>
-            <a:prstDash val="solid"/>
-          </a:ln>
-        </p:spPr>
-        <p:txBody>
-          <a:bodyPr/>
-          <a:lstStyle/>
-          <a:p>
-            <a:endParaRPr sz="2400"/>
-          </a:p>
-        </p:txBody>
-      </p:sp>
-      <p:sp>
-        <p:nvSpPr>
-          <p:cNvPr id="23" name="Shape 21"/>
-          <p:cNvSpPr/>
-          <p:nvPr/>
-        </p:nvSpPr>
-        <p:spPr>
-          <a:xfrm>
-            <a:off x="9083040" y="2804160"/>
-            <a:ext cx="182880" cy="182880"/>
-          </a:xfrm>
-          <a:prstGeom prst="rect">
-            <a:avLst/>
-          </a:prstGeom>
-          <a:solidFill>
-            <a:srgbClr val="FFE699"/>
-          </a:solidFill>
-          <a:ln w="12700">
-            <a:solidFill>
-              <a:srgbClr val="030A18"/>
-            </a:solidFill>
-            <a:prstDash val="solid"/>
-          </a:ln>
-        </p:spPr>
-        <p:txBody>
-          <a:bodyPr/>
-          <a:lstStyle/>
-          <a:p>
-            <a:endParaRPr sz="2400"/>
-          </a:p>
-        </p:txBody>
-      </p:sp>
-      <p:sp>
-        <p:nvSpPr>
-          <p:cNvPr id="24" name="Shape 22"/>
-          <p:cNvSpPr/>
-          <p:nvPr/>
-        </p:nvSpPr>
-        <p:spPr>
-          <a:xfrm>
-            <a:off x="9265920" y="2804160"/>
-            <a:ext cx="182880" cy="182880"/>
-          </a:xfrm>
-          <a:prstGeom prst="rect">
-            <a:avLst/>
-          </a:prstGeom>
-          <a:solidFill>
-            <a:srgbClr val="F5F5F5"/>
-          </a:solidFill>
-          <a:ln w="12700">
-            <a:solidFill>
-              <a:srgbClr val="030A18"/>
-            </a:solidFill>
-            <a:prstDash val="solid"/>
-          </a:ln>
-        </p:spPr>
-        <p:txBody>
-          <a:bodyPr/>
-          <a:lstStyle/>
-          <a:p>
-            <a:endParaRPr sz="2400"/>
-          </a:p>
-        </p:txBody>
-      </p:sp>
-      <p:sp>
-        <p:nvSpPr>
-          <p:cNvPr id="25" name="Shape 23"/>
-          <p:cNvSpPr/>
-          <p:nvPr/>
-        </p:nvSpPr>
-        <p:spPr>
-          <a:xfrm>
-            <a:off x="9448800" y="2804160"/>
-            <a:ext cx="182880" cy="182880"/>
-          </a:xfrm>
-          <a:prstGeom prst="rect">
-            <a:avLst/>
-          </a:prstGeom>
-          <a:solidFill>
-            <a:srgbClr val="FFE699"/>
-          </a:solidFill>
-          <a:ln w="12700">
-            <a:solidFill>
-              <a:srgbClr val="030A18"/>
-            </a:solidFill>
-            <a:prstDash val="solid"/>
-          </a:ln>
-        </p:spPr>
-        <p:txBody>
-          <a:bodyPr/>
-          <a:lstStyle/>
-          <a:p>
-            <a:endParaRPr sz="2400"/>
-          </a:p>
-        </p:txBody>
-      </p:sp>
-      <p:sp>
-        <p:nvSpPr>
-          <p:cNvPr id="26" name="Shape 24"/>
-          <p:cNvSpPr/>
-          <p:nvPr/>
-        </p:nvSpPr>
-        <p:spPr>
-          <a:xfrm>
-            <a:off x="9631680" y="2804160"/>
-            <a:ext cx="182880" cy="182880"/>
-          </a:xfrm>
-          <a:prstGeom prst="rect">
-            <a:avLst/>
-          </a:prstGeom>
-          <a:solidFill>
-            <a:srgbClr val="FFE699"/>
-          </a:solidFill>
-          <a:ln w="12700">
-            <a:solidFill>
-              <a:srgbClr val="030A18"/>
-            </a:solidFill>
-            <a:prstDash val="solid"/>
-          </a:ln>
-        </p:spPr>
-        <p:txBody>
-          <a:bodyPr/>
-          <a:lstStyle/>
-          <a:p>
-            <a:endParaRPr sz="2400"/>
-          </a:p>
-        </p:txBody>
-      </p:sp>
-      <p:sp>
-        <p:nvSpPr>
-          <p:cNvPr id="27" name="Shape 25"/>
-          <p:cNvSpPr/>
-          <p:nvPr/>
-        </p:nvSpPr>
-        <p:spPr>
-          <a:xfrm>
-            <a:off x="9814560" y="2804160"/>
-            <a:ext cx="182880" cy="182880"/>
-          </a:xfrm>
-          <a:prstGeom prst="rect">
-            <a:avLst/>
-          </a:prstGeom>
-          <a:solidFill>
-            <a:srgbClr val="F5F5F5"/>
-          </a:solidFill>
-          <a:ln w="12700">
-            <a:solidFill>
-              <a:srgbClr val="030A18"/>
-            </a:solidFill>
-            <a:prstDash val="solid"/>
-          </a:ln>
-        </p:spPr>
-        <p:txBody>
-          <a:bodyPr/>
-          <a:lstStyle/>
-          <a:p>
-            <a:endParaRPr sz="2400"/>
-          </a:p>
-        </p:txBody>
-      </p:sp>
-      <p:sp>
-        <p:nvSpPr>
-          <p:cNvPr id="28" name="Shape 26"/>
-          <p:cNvSpPr/>
-          <p:nvPr/>
-        </p:nvSpPr>
-        <p:spPr>
-          <a:xfrm>
-            <a:off x="9997440" y="2804160"/>
-            <a:ext cx="182880" cy="182880"/>
-          </a:xfrm>
-          <a:prstGeom prst="rect">
-            <a:avLst/>
-          </a:prstGeom>
-          <a:solidFill>
-            <a:srgbClr val="FFE699"/>
-          </a:solidFill>
-          <a:ln w="12700">
-            <a:solidFill>
-              <a:srgbClr val="030A18"/>
-            </a:solidFill>
-            <a:prstDash val="solid"/>
-          </a:ln>
-        </p:spPr>
-        <p:txBody>
-          <a:bodyPr/>
-          <a:lstStyle/>
-          <a:p>
-            <a:endParaRPr sz="2400"/>
-          </a:p>
-        </p:txBody>
-      </p:sp>
-      <p:sp>
-        <p:nvSpPr>
-          <p:cNvPr id="29" name="Shape 27"/>
-          <p:cNvSpPr/>
-          <p:nvPr/>
-        </p:nvSpPr>
-        <p:spPr>
-          <a:xfrm>
-            <a:off x="10180320" y="2804160"/>
-            <a:ext cx="182880" cy="182880"/>
-          </a:xfrm>
-          <a:prstGeom prst="rect">
-            <a:avLst/>
-          </a:prstGeom>
-          <a:solidFill>
-            <a:srgbClr val="FFE699"/>
-          </a:solidFill>
-          <a:ln w="12700">
-            <a:solidFill>
-              <a:srgbClr val="030A18"/>
-            </a:solidFill>
-            <a:prstDash val="solid"/>
-          </a:ln>
-        </p:spPr>
-        <p:txBody>
-          <a:bodyPr/>
-          <a:lstStyle/>
-          <a:p>
-            <a:endParaRPr sz="2400"/>
-          </a:p>
-        </p:txBody>
-      </p:sp>
-      <p:sp>
-        <p:nvSpPr>
-          <p:cNvPr id="30" name="Shape 28"/>
-          <p:cNvSpPr/>
-          <p:nvPr/>
-        </p:nvSpPr>
-        <p:spPr>
-          <a:xfrm>
-            <a:off x="10363200" y="2804160"/>
-            <a:ext cx="182880" cy="182880"/>
-          </a:xfrm>
-          <a:prstGeom prst="rect">
-            <a:avLst/>
-          </a:prstGeom>
-          <a:solidFill>
-            <a:srgbClr val="F5F5F5"/>
-          </a:solidFill>
-          <a:ln w="12700">
-            <a:solidFill>
-              <a:srgbClr val="030A18"/>
-            </a:solidFill>
-            <a:prstDash val="solid"/>
-          </a:ln>
-        </p:spPr>
-        <p:txBody>
-          <a:bodyPr/>
-          <a:lstStyle/>
-          <a:p>
-            <a:endParaRPr sz="2400"/>
-          </a:p>
-        </p:txBody>
-      </p:sp>
-      <p:sp>
-        <p:nvSpPr>
-          <p:cNvPr id="31" name="Shape 29"/>
-          <p:cNvSpPr/>
-          <p:nvPr/>
-        </p:nvSpPr>
-        <p:spPr>
-          <a:xfrm>
-            <a:off x="8900160" y="2987040"/>
-            <a:ext cx="182880" cy="182880"/>
-          </a:xfrm>
-          <a:prstGeom prst="rect">
-            <a:avLst/>
-          </a:prstGeom>
-          <a:solidFill>
-            <a:srgbClr val="FFE699"/>
-          </a:solidFill>
-          <a:ln w="12700">
-            <a:solidFill>
-              <a:srgbClr val="030A18"/>
-            </a:solidFill>
-            <a:prstDash val="solid"/>
-          </a:ln>
-        </p:spPr>
-        <p:txBody>
-          <a:bodyPr/>
-          <a:lstStyle/>
-          <a:p>
-            <a:endParaRPr sz="2400"/>
-          </a:p>
-        </p:txBody>
-      </p:sp>
-      <p:sp>
-        <p:nvSpPr>
-          <p:cNvPr id="32" name="Shape 30"/>
-          <p:cNvSpPr/>
-          <p:nvPr/>
-        </p:nvSpPr>
-        <p:spPr>
-          <a:xfrm>
-            <a:off x="9083040" y="2987040"/>
-            <a:ext cx="182880" cy="182880"/>
-          </a:xfrm>
-          <a:prstGeom prst="rect">
-            <a:avLst/>
-          </a:prstGeom>
-          <a:solidFill>
-            <a:srgbClr val="FFE699"/>
-          </a:solidFill>
-          <a:ln w="12700">
-            <a:solidFill>
-              <a:srgbClr val="030A18"/>
-            </a:solidFill>
-            <a:prstDash val="solid"/>
-          </a:ln>
-        </p:spPr>
-        <p:txBody>
-          <a:bodyPr/>
-          <a:lstStyle/>
-          <a:p>
-            <a:endParaRPr sz="2400"/>
-          </a:p>
-        </p:txBody>
-      </p:sp>
-      <p:sp>
-        <p:nvSpPr>
-          <p:cNvPr id="33" name="Shape 31"/>
-          <p:cNvSpPr/>
-          <p:nvPr/>
-        </p:nvSpPr>
-        <p:spPr>
-          <a:xfrm>
-            <a:off x="9265920" y="2987040"/>
-            <a:ext cx="182880" cy="182880"/>
-          </a:xfrm>
-          <a:prstGeom prst="rect">
-            <a:avLst/>
-          </a:prstGeom>
-          <a:solidFill>
-            <a:srgbClr val="F5F5F5"/>
-          </a:solidFill>
-          <a:ln w="12700">
-            <a:solidFill>
-              <a:srgbClr val="030A18"/>
-            </a:solidFill>
-            <a:prstDash val="solid"/>
-          </a:ln>
-        </p:spPr>
-        <p:txBody>
-          <a:bodyPr/>
-          <a:lstStyle/>
-          <a:p>
-            <a:endParaRPr sz="2400"/>
-          </a:p>
-        </p:txBody>
-      </p:sp>
-      <p:sp>
-        <p:nvSpPr>
-          <p:cNvPr id="34" name="Shape 32"/>
-          <p:cNvSpPr/>
-          <p:nvPr/>
-        </p:nvSpPr>
-        <p:spPr>
-          <a:xfrm>
-            <a:off x="9448800" y="2987040"/>
-            <a:ext cx="182880" cy="182880"/>
-          </a:xfrm>
-          <a:prstGeom prst="rect">
-            <a:avLst/>
-          </a:prstGeom>
-          <a:solidFill>
-            <a:srgbClr val="FFE699"/>
-          </a:solidFill>
-          <a:ln w="12700">
-            <a:solidFill>
-              <a:srgbClr val="030A18"/>
-            </a:solidFill>
-            <a:prstDash val="solid"/>
-          </a:ln>
-        </p:spPr>
-        <p:txBody>
-          <a:bodyPr/>
-          <a:lstStyle/>
-          <a:p>
-            <a:endParaRPr sz="2400"/>
-          </a:p>
-        </p:txBody>
-      </p:sp>
-      <p:sp>
-        <p:nvSpPr>
-          <p:cNvPr id="35" name="Shape 33"/>
-          <p:cNvSpPr/>
-          <p:nvPr/>
-        </p:nvSpPr>
-        <p:spPr>
-          <a:xfrm>
-            <a:off x="9631680" y="2987040"/>
-            <a:ext cx="182880" cy="182880"/>
-          </a:xfrm>
-          <a:prstGeom prst="rect">
-            <a:avLst/>
-          </a:prstGeom>
-          <a:solidFill>
-            <a:srgbClr val="FFE699"/>
-          </a:solidFill>
-          <a:ln w="12700">
-            <a:solidFill>
-              <a:srgbClr val="030A18"/>
-            </a:solidFill>
-            <a:prstDash val="solid"/>
-          </a:ln>
-        </p:spPr>
-        <p:txBody>
-          <a:bodyPr/>
-          <a:lstStyle/>
-          <a:p>
-            <a:endParaRPr sz="2400"/>
-          </a:p>
-        </p:txBody>
-      </p:sp>
-      <p:sp>
-        <p:nvSpPr>
-          <p:cNvPr id="36" name="Shape 34"/>
-          <p:cNvSpPr/>
-          <p:nvPr/>
-        </p:nvSpPr>
-        <p:spPr>
-          <a:xfrm>
-            <a:off x="9814560" y="2987040"/>
-            <a:ext cx="182880" cy="182880"/>
-          </a:xfrm>
-          <a:prstGeom prst="rect">
-            <a:avLst/>
-          </a:prstGeom>
-          <a:solidFill>
-            <a:srgbClr val="F5F5F5"/>
-          </a:solidFill>
-          <a:ln w="12700">
-            <a:solidFill>
-              <a:srgbClr val="030A18"/>
-            </a:solidFill>
-            <a:prstDash val="solid"/>
-          </a:ln>
-        </p:spPr>
-        <p:txBody>
-          <a:bodyPr/>
-          <a:lstStyle/>
-          <a:p>
-            <a:endParaRPr sz="2400"/>
-          </a:p>
-        </p:txBody>
-      </p:sp>
-      <p:sp>
-        <p:nvSpPr>
-          <p:cNvPr id="37" name="Shape 35"/>
-          <p:cNvSpPr/>
-          <p:nvPr/>
-        </p:nvSpPr>
-        <p:spPr>
-          <a:xfrm>
-            <a:off x="9997440" y="2987040"/>
-            <a:ext cx="182880" cy="182880"/>
-          </a:xfrm>
-          <a:prstGeom prst="rect">
-            <a:avLst/>
-          </a:prstGeom>
-          <a:solidFill>
-            <a:srgbClr val="FFE699"/>
-          </a:solidFill>
-          <a:ln w="12700">
-            <a:solidFill>
-              <a:srgbClr val="030A18"/>
-            </a:solidFill>
-            <a:prstDash val="solid"/>
-          </a:ln>
-        </p:spPr>
-        <p:txBody>
-          <a:bodyPr/>
-          <a:lstStyle/>
-          <a:p>
-            <a:endParaRPr sz="2400"/>
-          </a:p>
-        </p:txBody>
-      </p:sp>
-      <p:sp>
-        <p:nvSpPr>
-          <p:cNvPr id="38" name="Shape 36"/>
-          <p:cNvSpPr/>
-          <p:nvPr/>
-        </p:nvSpPr>
-        <p:spPr>
-          <a:xfrm>
-            <a:off x="10180320" y="2987040"/>
-            <a:ext cx="182880" cy="182880"/>
-          </a:xfrm>
-          <a:prstGeom prst="rect">
-            <a:avLst/>
-          </a:prstGeom>
-          <a:solidFill>
-            <a:srgbClr val="FFE699"/>
-          </a:solidFill>
-          <a:ln w="12700">
-            <a:solidFill>
-              <a:srgbClr val="030A18"/>
-            </a:solidFill>
-            <a:prstDash val="solid"/>
-          </a:ln>
-        </p:spPr>
-        <p:txBody>
-          <a:bodyPr/>
-          <a:lstStyle/>
-          <a:p>
-            <a:endParaRPr sz="2400"/>
-          </a:p>
-        </p:txBody>
-      </p:sp>
-      <p:sp>
-        <p:nvSpPr>
-          <p:cNvPr id="39" name="Shape 37"/>
-          <p:cNvSpPr/>
-          <p:nvPr/>
-        </p:nvSpPr>
-        <p:spPr>
-          <a:xfrm>
-            <a:off x="10363200" y="2987040"/>
-            <a:ext cx="182880" cy="182880"/>
-          </a:xfrm>
-          <a:prstGeom prst="rect">
-            <a:avLst/>
-          </a:prstGeom>
-          <a:solidFill>
-            <a:srgbClr val="F5F5F5"/>
-          </a:solidFill>
-          <a:ln w="12700">
-            <a:solidFill>
-              <a:srgbClr val="030A18"/>
-            </a:solidFill>
-            <a:prstDash val="solid"/>
-          </a:ln>
-        </p:spPr>
-        <p:txBody>
-          <a:bodyPr/>
-          <a:lstStyle/>
-          <a:p>
-            <a:endParaRPr sz="2400"/>
-          </a:p>
-        </p:txBody>
-      </p:sp>
-      <p:sp>
-        <p:nvSpPr>
-          <p:cNvPr id="40" name="Text 38"/>
-          <p:cNvSpPr/>
-          <p:nvPr/>
-        </p:nvSpPr>
-        <p:spPr>
-          <a:xfrm>
-            <a:off x="8900160" y="2072640"/>
-            <a:ext cx="1219200" cy="365760"/>
-          </a:xfrm>
-          <a:prstGeom prst="rect">
-            <a:avLst/>
-          </a:prstGeom>
-          <a:noFill/>
-          <a:ln/>
-        </p:spPr>
-        <p:txBody>
-          <a:bodyPr wrap="square" rtlCol="0" anchor="ctr"/>
-          <a:lstStyle/>
-          <a:p>
-            <a:r>
-              <a:rPr lang="en-US" sz="1200" dirty="0">
-                <a:solidFill>
-                  <a:srgbClr val="030A18"/>
-                </a:solidFill>
-              </a:rPr>
-              <a:t>im2col</a:t>
-            </a:r>
-            <a:endParaRPr lang="en-US" sz="1200" dirty="0"/>
-          </a:p>
-        </p:txBody>
-      </p:sp>
-      <p:sp>
-        <p:nvSpPr>
-          <p:cNvPr id="41" name="Text 39"/>
-          <p:cNvSpPr/>
-          <p:nvPr/>
-        </p:nvSpPr>
-        <p:spPr>
-          <a:xfrm>
-            <a:off x="609600" y="6431280"/>
-            <a:ext cx="10972800" cy="365760"/>
-          </a:xfrm>
-          <a:prstGeom prst="rect">
-            <a:avLst/>
-          </a:prstGeom>
-          <a:noFill/>
-          <a:ln/>
-        </p:spPr>
-        <p:txBody>
-          <a:bodyPr wrap="square" lIns="0" tIns="0" rIns="0" bIns="0" rtlCol="0" anchor="ctr"/>
-          <a:lstStyle/>
-          <a:p>
-            <a:r>
-              <a:rPr lang="en-US" sz="800" u="sng" dirty="0">
-                <a:solidFill>
-                  <a:srgbClr val="4472C4"/>
-                </a:solidFill>
-                <a:hlinkClick r:id="rId3"/>
-              </a:rPr>
-              <a:t>[44]</a:t>
-            </a:r>
-            <a:endParaRPr lang="en-US" sz="800" dirty="0"/>
+              <a:t>Illustration on board</a:t>
+            </a:r>
+          </a:p>
+          <a:p>
+            <a:endParaRPr lang="en-US" dirty="0"/>
+          </a:p>
+          <a:p>
+            <a:endParaRPr lang="en-US" dirty="0"/>
           </a:p>
         </p:txBody>
       </p:sp>
     </p:spTree>
+    <p:extLst>
+      <p:ext uri="{BB962C8B-B14F-4D97-AF65-F5344CB8AC3E}">
+        <p14:creationId xmlns:p14="http://schemas.microsoft.com/office/powerpoint/2010/main" val="2238259497"/>
+      </p:ext>
+    </p:extLst>
   </p:cSld>
   <p:clrMapOvr>
     <a:masterClrMapping/>
@@ -14512,7 +13133,7 @@
           <p:cNvPr id="2" name="Title 1">
             <a:extLst>
               <a:ext uri="{FF2B5EF4-FFF2-40B4-BE49-F238E27FC236}">
-                <a16:creationId xmlns:a16="http://schemas.microsoft.com/office/drawing/2014/main" id="{B761C42A-DC3C-8F84-D9EA-D908CA8882E4}"/>
+                <a16:creationId xmlns:a16="http://schemas.microsoft.com/office/drawing/2014/main" id="{37130E69-6564-DD3E-DE48-26F95E13A718}"/>
               </a:ext>
             </a:extLst>
           </p:cNvPr>
@@ -14530,8 +13151,13 @@
           <a:p>
             <a:r>
               <a:rPr lang="en-US" dirty="0"/>
-              <a:t>A technical aside</a:t>
-            </a:r>
+              <a:t>Implementation in </a:t>
+            </a:r>
+            <a:r>
+              <a:rPr lang="en-US" dirty="0" err="1"/>
+              <a:t>Pytorch</a:t>
+            </a:r>
+            <a:endParaRPr lang="en-US" dirty="0"/>
           </a:p>
         </p:txBody>
       </p:sp>
@@ -14540,7 +13166,7 @@
           <p:cNvPr id="3" name="Content Placeholder 2">
             <a:extLst>
               <a:ext uri="{FF2B5EF4-FFF2-40B4-BE49-F238E27FC236}">
-                <a16:creationId xmlns:a16="http://schemas.microsoft.com/office/drawing/2014/main" id="{4078E805-D582-84E7-4540-D73589D39C17}"/>
+                <a16:creationId xmlns:a16="http://schemas.microsoft.com/office/drawing/2014/main" id="{FC377FCB-D93F-4907-2229-7E8EE0824A81}"/>
               </a:ext>
             </a:extLst>
           </p:cNvPr>
@@ -14551,47 +13177,596 @@
             <p:ph idx="1"/>
           </p:nvPr>
         </p:nvSpPr>
-        <p:spPr/>
+        <p:spPr>
+          <a:xfrm>
+            <a:off x="838200" y="1825625"/>
+            <a:ext cx="8348602" cy="4667250"/>
+          </a:xfrm>
+        </p:spPr>
         <p:txBody>
           <a:bodyPr>
-            <a:normAutofit lnSpcReduction="10000"/>
+            <a:normAutofit fontScale="47500" lnSpcReduction="20000"/>
           </a:bodyPr>
           <a:lstStyle/>
           <a:p>
             <a:r>
-              <a:rPr lang="en-US" dirty="0"/>
-              <a:t>Convolution can be reinterpreted as a matrix multiplication by unrolling the input into patches (im2col) and flattening the filter.</a:t>
-            </a:r>
-          </a:p>
-          <a:p>
-            <a:r>
-              <a:rPr lang="en-US" dirty="0"/>
-              <a:t>This representation allows us to leverage highly </a:t>
-            </a:r>
-            <a:r>
-              <a:rPr lang="en-US" dirty="0" err="1"/>
-              <a:t>optimised</a:t>
-            </a:r>
-            <a:r>
-              <a:rPr lang="en-US" dirty="0"/>
-              <a:t> matrix multiplication routines (e.g. BLAS) but at the cost of increased memory.</a:t>
-            </a:r>
-          </a:p>
-          <a:p>
-            <a:r>
-              <a:rPr lang="en-US" dirty="0"/>
-              <a:t>Illustration: 2×2 filter applied to a 3×3 input yields a Toeplitz matrix of size 4×9 multiplied by the flattened filter vector.</a:t>
-            </a:r>
-          </a:p>
-          <a:p>
-            <a:r>
-              <a:rPr lang="en-US" dirty="0">
+              <a:rPr lang="en-US" sz="4400" dirty="0" err="1"/>
+              <a:t>Vectorised</a:t>
+            </a:r>
+            <a:r>
+              <a:rPr lang="en-US" sz="4400" dirty="0"/>
+              <a:t> code is critical for efficient deep learning.  Use established frameworks (e.g. </a:t>
+            </a:r>
+            <a:r>
+              <a:rPr lang="en-US" sz="4400" dirty="0" err="1"/>
+              <a:t>PyTorch</a:t>
+            </a:r>
+            <a:r>
+              <a:rPr lang="en-US" sz="4400" dirty="0"/>
+              <a:t>) that implement convolutions with GPU acceleration.</a:t>
+            </a:r>
+          </a:p>
+          <a:p>
+            <a:pPr marL="0" indent="0">
+              <a:buNone/>
+            </a:pPr>
+            <a:r>
+              <a:rPr lang="en-US" sz="2800" dirty="0">
                 <a:solidFill>
-                  <a:srgbClr val="009749"/>
+                  <a:srgbClr val="030A18"/>
                 </a:solidFill>
+                <a:latin typeface="Courier New" pitchFamily="34" charset="0"/>
+                <a:ea typeface="Courier New" pitchFamily="34" charset="-122"/>
+                <a:cs typeface="Courier New" pitchFamily="34" charset="-120"/>
               </a:rPr>
-              <a:t>Illustration on board</a:t>
-            </a:r>
+              <a:t>import </a:t>
+            </a:r>
+            <a:r>
+              <a:rPr lang="en-US" sz="2800" dirty="0" err="1">
+                <a:solidFill>
+                  <a:srgbClr val="030A18"/>
+                </a:solidFill>
+                <a:latin typeface="Courier New" pitchFamily="34" charset="0"/>
+                <a:ea typeface="Courier New" pitchFamily="34" charset="-122"/>
+                <a:cs typeface="Courier New" pitchFamily="34" charset="-120"/>
+              </a:rPr>
+              <a:t>torch.nn</a:t>
+            </a:r>
+            <a:r>
+              <a:rPr lang="en-US" sz="2800" dirty="0">
+                <a:solidFill>
+                  <a:srgbClr val="030A18"/>
+                </a:solidFill>
+                <a:latin typeface="Courier New" pitchFamily="34" charset="0"/>
+                <a:ea typeface="Courier New" pitchFamily="34" charset="-122"/>
+                <a:cs typeface="Courier New" pitchFamily="34" charset="-120"/>
+              </a:rPr>
+              <a:t> as </a:t>
+            </a:r>
+            <a:r>
+              <a:rPr lang="en-US" sz="2800" dirty="0" err="1">
+                <a:solidFill>
+                  <a:srgbClr val="030A18"/>
+                </a:solidFill>
+                <a:latin typeface="Courier New" pitchFamily="34" charset="0"/>
+                <a:ea typeface="Courier New" pitchFamily="34" charset="-122"/>
+                <a:cs typeface="Courier New" pitchFamily="34" charset="-120"/>
+              </a:rPr>
+              <a:t>nn</a:t>
+            </a:r>
+            <a:endParaRPr lang="en-US" sz="2800" dirty="0"/>
+          </a:p>
+          <a:p>
+            <a:pPr marL="0" indent="0">
+              <a:buNone/>
+            </a:pPr>
+            <a:r>
+              <a:rPr lang="en-US" sz="2800" dirty="0">
+                <a:solidFill>
+                  <a:srgbClr val="030A18"/>
+                </a:solidFill>
+                <a:latin typeface="Courier New" pitchFamily="34" charset="0"/>
+                <a:ea typeface="Courier New" pitchFamily="34" charset="-122"/>
+                <a:cs typeface="Courier New" pitchFamily="34" charset="-120"/>
+              </a:rPr>
+              <a:t>class </a:t>
+            </a:r>
+            <a:r>
+              <a:rPr lang="en-US" sz="2800" dirty="0" err="1">
+                <a:solidFill>
+                  <a:srgbClr val="030A18"/>
+                </a:solidFill>
+                <a:latin typeface="Courier New" pitchFamily="34" charset="0"/>
+                <a:ea typeface="Courier New" pitchFamily="34" charset="-122"/>
+                <a:cs typeface="Courier New" pitchFamily="34" charset="-120"/>
+              </a:rPr>
+              <a:t>SimpleCNN</a:t>
+            </a:r>
+            <a:r>
+              <a:rPr lang="en-US" sz="2800" dirty="0">
+                <a:solidFill>
+                  <a:srgbClr val="030A18"/>
+                </a:solidFill>
+                <a:latin typeface="Courier New" pitchFamily="34" charset="0"/>
+                <a:ea typeface="Courier New" pitchFamily="34" charset="-122"/>
+                <a:cs typeface="Courier New" pitchFamily="34" charset="-120"/>
+              </a:rPr>
+              <a:t>(</a:t>
+            </a:r>
+            <a:r>
+              <a:rPr lang="en-US" sz="2800" dirty="0" err="1">
+                <a:solidFill>
+                  <a:srgbClr val="030A18"/>
+                </a:solidFill>
+                <a:latin typeface="Courier New" pitchFamily="34" charset="0"/>
+                <a:ea typeface="Courier New" pitchFamily="34" charset="-122"/>
+                <a:cs typeface="Courier New" pitchFamily="34" charset="-120"/>
+              </a:rPr>
+              <a:t>nn.Module</a:t>
+            </a:r>
+            <a:r>
+              <a:rPr lang="en-US" sz="2800" dirty="0">
+                <a:solidFill>
+                  <a:srgbClr val="030A18"/>
+                </a:solidFill>
+                <a:latin typeface="Courier New" pitchFamily="34" charset="0"/>
+                <a:ea typeface="Courier New" pitchFamily="34" charset="-122"/>
+                <a:cs typeface="Courier New" pitchFamily="34" charset="-120"/>
+              </a:rPr>
+              <a:t>):</a:t>
+            </a:r>
+            <a:endParaRPr lang="en-US" sz="2800" dirty="0"/>
+          </a:p>
+          <a:p>
+            <a:pPr marL="0" indent="0">
+              <a:buNone/>
+            </a:pPr>
+            <a:r>
+              <a:rPr lang="en-US" sz="2800" dirty="0">
+                <a:solidFill>
+                  <a:srgbClr val="030A18"/>
+                </a:solidFill>
+                <a:latin typeface="Courier New" pitchFamily="34" charset="0"/>
+                <a:ea typeface="Courier New" pitchFamily="34" charset="-122"/>
+                <a:cs typeface="Courier New" pitchFamily="34" charset="-120"/>
+              </a:rPr>
+              <a:t>    def __</a:t>
+            </a:r>
+            <a:r>
+              <a:rPr lang="en-US" sz="2800" dirty="0" err="1">
+                <a:solidFill>
+                  <a:srgbClr val="030A18"/>
+                </a:solidFill>
+                <a:latin typeface="Courier New" pitchFamily="34" charset="0"/>
+                <a:ea typeface="Courier New" pitchFamily="34" charset="-122"/>
+                <a:cs typeface="Courier New" pitchFamily="34" charset="-120"/>
+              </a:rPr>
+              <a:t>init</a:t>
+            </a:r>
+            <a:r>
+              <a:rPr lang="en-US" sz="2800" dirty="0">
+                <a:solidFill>
+                  <a:srgbClr val="030A18"/>
+                </a:solidFill>
+                <a:latin typeface="Courier New" pitchFamily="34" charset="0"/>
+                <a:ea typeface="Courier New" pitchFamily="34" charset="-122"/>
+                <a:cs typeface="Courier New" pitchFamily="34" charset="-120"/>
+              </a:rPr>
+              <a:t>__(self):</a:t>
+            </a:r>
+            <a:endParaRPr lang="en-US" sz="2800" dirty="0"/>
+          </a:p>
+          <a:p>
+            <a:pPr marL="0" indent="0">
+              <a:buNone/>
+            </a:pPr>
+            <a:r>
+              <a:rPr lang="en-US" sz="2800" dirty="0">
+                <a:solidFill>
+                  <a:srgbClr val="030A18"/>
+                </a:solidFill>
+                <a:latin typeface="Courier New" pitchFamily="34" charset="0"/>
+                <a:ea typeface="Courier New" pitchFamily="34" charset="-122"/>
+                <a:cs typeface="Courier New" pitchFamily="34" charset="-120"/>
+              </a:rPr>
+              <a:t>        super().__</a:t>
+            </a:r>
+            <a:r>
+              <a:rPr lang="en-US" sz="2800" dirty="0" err="1">
+                <a:solidFill>
+                  <a:srgbClr val="030A18"/>
+                </a:solidFill>
+                <a:latin typeface="Courier New" pitchFamily="34" charset="0"/>
+                <a:ea typeface="Courier New" pitchFamily="34" charset="-122"/>
+                <a:cs typeface="Courier New" pitchFamily="34" charset="-120"/>
+              </a:rPr>
+              <a:t>init</a:t>
+            </a:r>
+            <a:r>
+              <a:rPr lang="en-US" sz="2800" dirty="0">
+                <a:solidFill>
+                  <a:srgbClr val="030A18"/>
+                </a:solidFill>
+                <a:latin typeface="Courier New" pitchFamily="34" charset="0"/>
+                <a:ea typeface="Courier New" pitchFamily="34" charset="-122"/>
+                <a:cs typeface="Courier New" pitchFamily="34" charset="-120"/>
+              </a:rPr>
+              <a:t>__()</a:t>
+            </a:r>
+            <a:endParaRPr lang="en-US" sz="2800" dirty="0"/>
+          </a:p>
+          <a:p>
+            <a:pPr marL="0" indent="0">
+              <a:buNone/>
+            </a:pPr>
+            <a:r>
+              <a:rPr lang="en-US" sz="2800" dirty="0">
+                <a:solidFill>
+                  <a:srgbClr val="030A18"/>
+                </a:solidFill>
+                <a:latin typeface="Courier New" pitchFamily="34" charset="0"/>
+                <a:ea typeface="Courier New" pitchFamily="34" charset="-122"/>
+                <a:cs typeface="Courier New" pitchFamily="34" charset="-120"/>
+              </a:rPr>
+              <a:t>        self.conv1 = nn.Conv2d(</a:t>
+            </a:r>
+            <a:r>
+              <a:rPr lang="en-US" sz="2800" dirty="0" err="1">
+                <a:solidFill>
+                  <a:srgbClr val="030A18"/>
+                </a:solidFill>
+                <a:latin typeface="Courier New" pitchFamily="34" charset="0"/>
+                <a:ea typeface="Courier New" pitchFamily="34" charset="-122"/>
+                <a:cs typeface="Courier New" pitchFamily="34" charset="-120"/>
+              </a:rPr>
+              <a:t>in_channels</a:t>
+            </a:r>
+            <a:r>
+              <a:rPr lang="en-US" sz="2800" dirty="0">
+                <a:solidFill>
+                  <a:srgbClr val="030A18"/>
+                </a:solidFill>
+                <a:latin typeface="Courier New" pitchFamily="34" charset="0"/>
+                <a:ea typeface="Courier New" pitchFamily="34" charset="-122"/>
+                <a:cs typeface="Courier New" pitchFamily="34" charset="-120"/>
+              </a:rPr>
+              <a:t>=1, </a:t>
+            </a:r>
+            <a:r>
+              <a:rPr lang="en-US" sz="2800" dirty="0" err="1">
+                <a:solidFill>
+                  <a:srgbClr val="030A18"/>
+                </a:solidFill>
+                <a:latin typeface="Courier New" pitchFamily="34" charset="0"/>
+                <a:ea typeface="Courier New" pitchFamily="34" charset="-122"/>
+                <a:cs typeface="Courier New" pitchFamily="34" charset="-120"/>
+              </a:rPr>
+              <a:t>out_channels</a:t>
+            </a:r>
+            <a:r>
+              <a:rPr lang="en-US" sz="2800" dirty="0">
+                <a:solidFill>
+                  <a:srgbClr val="030A18"/>
+                </a:solidFill>
+                <a:latin typeface="Courier New" pitchFamily="34" charset="0"/>
+                <a:ea typeface="Courier New" pitchFamily="34" charset="-122"/>
+                <a:cs typeface="Courier New" pitchFamily="34" charset="-120"/>
+              </a:rPr>
+              <a:t>=8, </a:t>
+            </a:r>
+            <a:r>
+              <a:rPr lang="en-US" sz="2800" dirty="0" err="1">
+                <a:solidFill>
+                  <a:srgbClr val="030A18"/>
+                </a:solidFill>
+                <a:latin typeface="Courier New" pitchFamily="34" charset="0"/>
+                <a:ea typeface="Courier New" pitchFamily="34" charset="-122"/>
+                <a:cs typeface="Courier New" pitchFamily="34" charset="-120"/>
+              </a:rPr>
+              <a:t>kernel_size</a:t>
+            </a:r>
+            <a:r>
+              <a:rPr lang="en-US" sz="2800" dirty="0">
+                <a:solidFill>
+                  <a:srgbClr val="030A18"/>
+                </a:solidFill>
+                <a:latin typeface="Courier New" pitchFamily="34" charset="0"/>
+                <a:ea typeface="Courier New" pitchFamily="34" charset="-122"/>
+                <a:cs typeface="Courier New" pitchFamily="34" charset="-120"/>
+              </a:rPr>
+              <a:t>=3)</a:t>
+            </a:r>
+            <a:endParaRPr lang="en-US" sz="2800" dirty="0"/>
+          </a:p>
+          <a:p>
+            <a:pPr marL="0" indent="0">
+              <a:buNone/>
+            </a:pPr>
+            <a:r>
+              <a:rPr lang="en-US" sz="2800" dirty="0">
+                <a:solidFill>
+                  <a:srgbClr val="030A18"/>
+                </a:solidFill>
+                <a:latin typeface="Courier New" pitchFamily="34" charset="0"/>
+                <a:ea typeface="Courier New" pitchFamily="34" charset="-122"/>
+                <a:cs typeface="Courier New" pitchFamily="34" charset="-120"/>
+              </a:rPr>
+              <a:t>        </a:t>
+            </a:r>
+            <a:r>
+              <a:rPr lang="en-US" sz="2800" dirty="0" err="1">
+                <a:solidFill>
+                  <a:srgbClr val="030A18"/>
+                </a:solidFill>
+                <a:latin typeface="Courier New" pitchFamily="34" charset="0"/>
+                <a:ea typeface="Courier New" pitchFamily="34" charset="-122"/>
+                <a:cs typeface="Courier New" pitchFamily="34" charset="-120"/>
+              </a:rPr>
+              <a:t>self.pool</a:t>
+            </a:r>
+            <a:r>
+              <a:rPr lang="en-US" sz="2800" dirty="0">
+                <a:solidFill>
+                  <a:srgbClr val="030A18"/>
+                </a:solidFill>
+                <a:latin typeface="Courier New" pitchFamily="34" charset="0"/>
+                <a:ea typeface="Courier New" pitchFamily="34" charset="-122"/>
+                <a:cs typeface="Courier New" pitchFamily="34" charset="-120"/>
+              </a:rPr>
+              <a:t> = nn.MaxPool2d(</a:t>
+            </a:r>
+            <a:r>
+              <a:rPr lang="en-US" sz="2800" dirty="0" err="1">
+                <a:solidFill>
+                  <a:srgbClr val="030A18"/>
+                </a:solidFill>
+                <a:latin typeface="Courier New" pitchFamily="34" charset="0"/>
+                <a:ea typeface="Courier New" pitchFamily="34" charset="-122"/>
+                <a:cs typeface="Courier New" pitchFamily="34" charset="-120"/>
+              </a:rPr>
+              <a:t>kernel_size</a:t>
+            </a:r>
+            <a:r>
+              <a:rPr lang="en-US" sz="2800" dirty="0">
+                <a:solidFill>
+                  <a:srgbClr val="030A18"/>
+                </a:solidFill>
+                <a:latin typeface="Courier New" pitchFamily="34" charset="0"/>
+                <a:ea typeface="Courier New" pitchFamily="34" charset="-122"/>
+                <a:cs typeface="Courier New" pitchFamily="34" charset="-120"/>
+              </a:rPr>
+              <a:t>=2, stride=2)</a:t>
+            </a:r>
+            <a:endParaRPr lang="en-US" sz="2800" dirty="0"/>
+          </a:p>
+          <a:p>
+            <a:pPr marL="0" indent="0">
+              <a:buNone/>
+            </a:pPr>
+            <a:r>
+              <a:rPr lang="en-US" sz="2800" dirty="0">
+                <a:solidFill>
+                  <a:srgbClr val="030A18"/>
+                </a:solidFill>
+                <a:latin typeface="Courier New" pitchFamily="34" charset="0"/>
+                <a:ea typeface="Courier New" pitchFamily="34" charset="-122"/>
+                <a:cs typeface="Courier New" pitchFamily="34" charset="-120"/>
+              </a:rPr>
+              <a:t>        self.fc1 = </a:t>
+            </a:r>
+            <a:r>
+              <a:rPr lang="en-US" sz="2800" dirty="0" err="1">
+                <a:solidFill>
+                  <a:srgbClr val="030A18"/>
+                </a:solidFill>
+                <a:latin typeface="Courier New" pitchFamily="34" charset="0"/>
+                <a:ea typeface="Courier New" pitchFamily="34" charset="-122"/>
+                <a:cs typeface="Courier New" pitchFamily="34" charset="-120"/>
+              </a:rPr>
+              <a:t>nn.Linear</a:t>
+            </a:r>
+            <a:r>
+              <a:rPr lang="en-US" sz="2800" dirty="0">
+                <a:solidFill>
+                  <a:srgbClr val="030A18"/>
+                </a:solidFill>
+                <a:latin typeface="Courier New" pitchFamily="34" charset="0"/>
+                <a:ea typeface="Courier New" pitchFamily="34" charset="-122"/>
+                <a:cs typeface="Courier New" pitchFamily="34" charset="-120"/>
+              </a:rPr>
+              <a:t>(8 * 3 * 3, 10)</a:t>
+            </a:r>
+            <a:endParaRPr lang="en-US" sz="2800" dirty="0"/>
+          </a:p>
+          <a:p>
+            <a:pPr marL="0" indent="0">
+              <a:buNone/>
+            </a:pPr>
+            <a:r>
+              <a:rPr lang="en-US" sz="2800" dirty="0">
+                <a:solidFill>
+                  <a:srgbClr val="030A18"/>
+                </a:solidFill>
+                <a:latin typeface="Courier New" pitchFamily="34" charset="0"/>
+                <a:ea typeface="Courier New" pitchFamily="34" charset="-122"/>
+                <a:cs typeface="Courier New" pitchFamily="34" charset="-120"/>
+              </a:rPr>
+              <a:t>    def forward(self, x):</a:t>
+            </a:r>
+            <a:endParaRPr lang="en-US" sz="2800" dirty="0"/>
+          </a:p>
+          <a:p>
+            <a:pPr marL="0" indent="0">
+              <a:buNone/>
+            </a:pPr>
+            <a:r>
+              <a:rPr lang="en-US" sz="2800" dirty="0">
+                <a:solidFill>
+                  <a:srgbClr val="030A18"/>
+                </a:solidFill>
+                <a:latin typeface="Courier New" pitchFamily="34" charset="0"/>
+                <a:ea typeface="Courier New" pitchFamily="34" charset="-122"/>
+                <a:cs typeface="Courier New" pitchFamily="34" charset="-120"/>
+              </a:rPr>
+              <a:t>        x = </a:t>
+            </a:r>
+            <a:r>
+              <a:rPr lang="en-US" sz="2800" dirty="0" err="1">
+                <a:solidFill>
+                  <a:srgbClr val="030A18"/>
+                </a:solidFill>
+                <a:latin typeface="Courier New" pitchFamily="34" charset="0"/>
+                <a:ea typeface="Courier New" pitchFamily="34" charset="-122"/>
+                <a:cs typeface="Courier New" pitchFamily="34" charset="-120"/>
+              </a:rPr>
+              <a:t>nn.functional.relu</a:t>
+            </a:r>
+            <a:r>
+              <a:rPr lang="en-US" sz="2800" dirty="0">
+                <a:solidFill>
+                  <a:srgbClr val="030A18"/>
+                </a:solidFill>
+                <a:latin typeface="Courier New" pitchFamily="34" charset="0"/>
+                <a:ea typeface="Courier New" pitchFamily="34" charset="-122"/>
+                <a:cs typeface="Courier New" pitchFamily="34" charset="-120"/>
+              </a:rPr>
+              <a:t>(self.conv1(x))</a:t>
+            </a:r>
+            <a:endParaRPr lang="en-US" sz="2800" dirty="0"/>
+          </a:p>
+          <a:p>
+            <a:pPr marL="0" indent="0">
+              <a:buNone/>
+            </a:pPr>
+            <a:r>
+              <a:rPr lang="en-US" sz="2800" dirty="0">
+                <a:solidFill>
+                  <a:srgbClr val="030A18"/>
+                </a:solidFill>
+                <a:latin typeface="Courier New" pitchFamily="34" charset="0"/>
+                <a:ea typeface="Courier New" pitchFamily="34" charset="-122"/>
+                <a:cs typeface="Courier New" pitchFamily="34" charset="-120"/>
+              </a:rPr>
+              <a:t>        x = </a:t>
+            </a:r>
+            <a:r>
+              <a:rPr lang="en-US" sz="2800" dirty="0" err="1">
+                <a:solidFill>
+                  <a:srgbClr val="030A18"/>
+                </a:solidFill>
+                <a:latin typeface="Courier New" pitchFamily="34" charset="0"/>
+                <a:ea typeface="Courier New" pitchFamily="34" charset="-122"/>
+                <a:cs typeface="Courier New" pitchFamily="34" charset="-120"/>
+              </a:rPr>
+              <a:t>self.pool</a:t>
+            </a:r>
+            <a:r>
+              <a:rPr lang="en-US" sz="2800" dirty="0">
+                <a:solidFill>
+                  <a:srgbClr val="030A18"/>
+                </a:solidFill>
+                <a:latin typeface="Courier New" pitchFamily="34" charset="0"/>
+                <a:ea typeface="Courier New" pitchFamily="34" charset="-122"/>
+                <a:cs typeface="Courier New" pitchFamily="34" charset="-120"/>
+              </a:rPr>
+              <a:t>(x)</a:t>
+            </a:r>
+            <a:endParaRPr lang="en-US" sz="2800" dirty="0"/>
+          </a:p>
+          <a:p>
+            <a:pPr marL="0" indent="0">
+              <a:buNone/>
+            </a:pPr>
+            <a:r>
+              <a:rPr lang="en-US" sz="2800" dirty="0">
+                <a:solidFill>
+                  <a:srgbClr val="030A18"/>
+                </a:solidFill>
+                <a:latin typeface="Courier New" pitchFamily="34" charset="0"/>
+                <a:ea typeface="Courier New" pitchFamily="34" charset="-122"/>
+                <a:cs typeface="Courier New" pitchFamily="34" charset="-120"/>
+              </a:rPr>
+              <a:t>        x = </a:t>
+            </a:r>
+            <a:r>
+              <a:rPr lang="en-US" sz="2800" dirty="0" err="1">
+                <a:solidFill>
+                  <a:srgbClr val="030A18"/>
+                </a:solidFill>
+                <a:latin typeface="Courier New" pitchFamily="34" charset="0"/>
+                <a:ea typeface="Courier New" pitchFamily="34" charset="-122"/>
+                <a:cs typeface="Courier New" pitchFamily="34" charset="-120"/>
+              </a:rPr>
+              <a:t>x.view</a:t>
+            </a:r>
+            <a:r>
+              <a:rPr lang="en-US" sz="2800" dirty="0">
+                <a:solidFill>
+                  <a:srgbClr val="030A18"/>
+                </a:solidFill>
+                <a:latin typeface="Courier New" pitchFamily="34" charset="0"/>
+                <a:ea typeface="Courier New" pitchFamily="34" charset="-122"/>
+                <a:cs typeface="Courier New" pitchFamily="34" charset="-120"/>
+              </a:rPr>
+              <a:t>(</a:t>
+            </a:r>
+            <a:r>
+              <a:rPr lang="en-US" sz="2800" dirty="0" err="1">
+                <a:solidFill>
+                  <a:srgbClr val="030A18"/>
+                </a:solidFill>
+                <a:latin typeface="Courier New" pitchFamily="34" charset="0"/>
+                <a:ea typeface="Courier New" pitchFamily="34" charset="-122"/>
+                <a:cs typeface="Courier New" pitchFamily="34" charset="-120"/>
+              </a:rPr>
+              <a:t>x.size</a:t>
+            </a:r>
+            <a:r>
+              <a:rPr lang="en-US" sz="2800" dirty="0">
+                <a:solidFill>
+                  <a:srgbClr val="030A18"/>
+                </a:solidFill>
+                <a:latin typeface="Courier New" pitchFamily="34" charset="0"/>
+                <a:ea typeface="Courier New" pitchFamily="34" charset="-122"/>
+                <a:cs typeface="Courier New" pitchFamily="34" charset="-120"/>
+              </a:rPr>
+              <a:t>(0), -1)</a:t>
+            </a:r>
+            <a:endParaRPr lang="en-US" sz="2800" dirty="0"/>
+          </a:p>
+          <a:p>
+            <a:pPr marL="0" indent="0">
+              <a:buNone/>
+            </a:pPr>
+            <a:r>
+              <a:rPr lang="en-US" sz="2800" dirty="0">
+                <a:solidFill>
+                  <a:srgbClr val="030A18"/>
+                </a:solidFill>
+                <a:latin typeface="Courier New" pitchFamily="34" charset="0"/>
+                <a:ea typeface="Courier New" pitchFamily="34" charset="-122"/>
+                <a:cs typeface="Courier New" pitchFamily="34" charset="-120"/>
+              </a:rPr>
+              <a:t>        x = self.fc1(x)</a:t>
+            </a:r>
+            <a:endParaRPr lang="en-US" sz="2800" dirty="0"/>
+          </a:p>
+          <a:p>
+            <a:pPr marL="0" indent="0">
+              <a:buNone/>
+            </a:pPr>
+            <a:r>
+              <a:rPr lang="en-US" sz="2800" dirty="0">
+                <a:solidFill>
+                  <a:srgbClr val="030A18"/>
+                </a:solidFill>
+                <a:latin typeface="Courier New" pitchFamily="34" charset="0"/>
+                <a:ea typeface="Courier New" pitchFamily="34" charset="-122"/>
+                <a:cs typeface="Courier New" pitchFamily="34" charset="-120"/>
+              </a:rPr>
+              <a:t>        return x</a:t>
+            </a:r>
+            <a:endParaRPr lang="en-US" dirty="0"/>
           </a:p>
           <a:p>
             <a:endParaRPr lang="en-US" dirty="0"/>
@@ -14604,7 +13779,7 @@
     </p:spTree>
     <p:extLst>
       <p:ext uri="{BB962C8B-B14F-4D97-AF65-F5344CB8AC3E}">
-        <p14:creationId xmlns:p14="http://schemas.microsoft.com/office/powerpoint/2010/main" val="2238259497"/>
+        <p14:creationId xmlns:p14="http://schemas.microsoft.com/office/powerpoint/2010/main" val="743238056"/>
       </p:ext>
     </p:extLst>
   </p:cSld>
@@ -14636,7 +13811,7 @@
           <p:cNvPr id="2" name="Title 1">
             <a:extLst>
               <a:ext uri="{FF2B5EF4-FFF2-40B4-BE49-F238E27FC236}">
-                <a16:creationId xmlns:a16="http://schemas.microsoft.com/office/drawing/2014/main" id="{37130E69-6564-DD3E-DE48-26F95E13A718}"/>
+                <a16:creationId xmlns:a16="http://schemas.microsoft.com/office/drawing/2014/main" id="{BB088283-06E7-18B1-03DC-B445852C3E06}"/>
               </a:ext>
             </a:extLst>
           </p:cNvPr>
@@ -14654,13 +13829,8 @@
           <a:p>
             <a:r>
               <a:rPr lang="en-US" dirty="0"/>
-              <a:t>Implementation in </a:t>
-            </a:r>
-            <a:r>
-              <a:rPr lang="en-US" dirty="0" err="1"/>
-              <a:t>Pytorch</a:t>
-            </a:r>
-            <a:endParaRPr lang="en-US" dirty="0"/>
+              <a:t>Common CNN architectures</a:t>
+            </a:r>
           </a:p>
         </p:txBody>
       </p:sp>
@@ -14669,7 +13839,7 @@
           <p:cNvPr id="3" name="Content Placeholder 2">
             <a:extLst>
               <a:ext uri="{FF2B5EF4-FFF2-40B4-BE49-F238E27FC236}">
-                <a16:creationId xmlns:a16="http://schemas.microsoft.com/office/drawing/2014/main" id="{FC377FCB-D93F-4907-2229-7E8EE0824A81}"/>
+                <a16:creationId xmlns:a16="http://schemas.microsoft.com/office/drawing/2014/main" id="{9942B748-4DFC-1C22-B21A-2C6CD4EBEDC6}"/>
               </a:ext>
             </a:extLst>
           </p:cNvPr>
@@ -14680,599 +13850,71 @@
             <p:ph idx="1"/>
           </p:nvPr>
         </p:nvSpPr>
-        <p:spPr>
-          <a:xfrm>
-            <a:off x="838200" y="1825625"/>
-            <a:ext cx="8348602" cy="4667250"/>
-          </a:xfrm>
-        </p:spPr>
+        <p:spPr/>
         <p:txBody>
           <a:bodyPr>
-            <a:normAutofit fontScale="47500" lnSpcReduction="20000"/>
+            <a:normAutofit/>
           </a:bodyPr>
           <a:lstStyle/>
           <a:p>
             <a:r>
-              <a:rPr lang="en-US" sz="4400" dirty="0" err="1"/>
-              <a:t>Vectorised</a:t>
-            </a:r>
-            <a:r>
-              <a:rPr lang="en-US" sz="4400" dirty="0"/>
-              <a:t> code is critical for efficient deep learning.  Use established frameworks (e.g. </a:t>
-            </a:r>
-            <a:r>
-              <a:rPr lang="en-US" sz="4400" dirty="0" err="1"/>
-              <a:t>PyTorch</a:t>
-            </a:r>
-            <a:r>
-              <a:rPr lang="en-US" sz="4400" dirty="0"/>
-              <a:t>) that implement convolutions with GPU acceleration.</a:t>
-            </a:r>
-          </a:p>
-          <a:p>
-            <a:pPr marL="0" indent="0">
-              <a:buNone/>
-            </a:pPr>
-            <a:r>
-              <a:rPr lang="en-US" sz="2800" dirty="0">
-                <a:solidFill>
-                  <a:srgbClr val="030A18"/>
-                </a:solidFill>
-                <a:latin typeface="Courier New" pitchFamily="34" charset="0"/>
-                <a:ea typeface="Courier New" pitchFamily="34" charset="-122"/>
-                <a:cs typeface="Courier New" pitchFamily="34" charset="-120"/>
-              </a:rPr>
-              <a:t>import </a:t>
-            </a:r>
-            <a:r>
-              <a:rPr lang="en-US" sz="2800" dirty="0" err="1">
-                <a:solidFill>
-                  <a:srgbClr val="030A18"/>
-                </a:solidFill>
-                <a:latin typeface="Courier New" pitchFamily="34" charset="0"/>
-                <a:ea typeface="Courier New" pitchFamily="34" charset="-122"/>
-                <a:cs typeface="Courier New" pitchFamily="34" charset="-120"/>
-              </a:rPr>
-              <a:t>torch.nn</a:t>
-            </a:r>
-            <a:r>
-              <a:rPr lang="en-US" sz="2800" dirty="0">
-                <a:solidFill>
-                  <a:srgbClr val="030A18"/>
-                </a:solidFill>
-                <a:latin typeface="Courier New" pitchFamily="34" charset="0"/>
-                <a:ea typeface="Courier New" pitchFamily="34" charset="-122"/>
-                <a:cs typeface="Courier New" pitchFamily="34" charset="-120"/>
-              </a:rPr>
-              <a:t> as </a:t>
-            </a:r>
-            <a:r>
-              <a:rPr lang="en-US" sz="2800" dirty="0" err="1">
-                <a:solidFill>
-                  <a:srgbClr val="030A18"/>
-                </a:solidFill>
-                <a:latin typeface="Courier New" pitchFamily="34" charset="0"/>
-                <a:ea typeface="Courier New" pitchFamily="34" charset="-122"/>
-                <a:cs typeface="Courier New" pitchFamily="34" charset="-120"/>
-              </a:rPr>
-              <a:t>nn</a:t>
-            </a:r>
-            <a:endParaRPr lang="en-US" sz="2800" dirty="0"/>
-          </a:p>
-          <a:p>
-            <a:pPr marL="0" indent="0">
-              <a:buNone/>
-            </a:pPr>
-            <a:r>
-              <a:rPr lang="en-US" sz="2800" dirty="0">
-                <a:solidFill>
-                  <a:srgbClr val="030A18"/>
-                </a:solidFill>
-                <a:latin typeface="Courier New" pitchFamily="34" charset="0"/>
-                <a:ea typeface="Courier New" pitchFamily="34" charset="-122"/>
-                <a:cs typeface="Courier New" pitchFamily="34" charset="-120"/>
-              </a:rPr>
-              <a:t>class </a:t>
-            </a:r>
-            <a:r>
-              <a:rPr lang="en-US" sz="2800" dirty="0" err="1">
-                <a:solidFill>
-                  <a:srgbClr val="030A18"/>
-                </a:solidFill>
-                <a:latin typeface="Courier New" pitchFamily="34" charset="0"/>
-                <a:ea typeface="Courier New" pitchFamily="34" charset="-122"/>
-                <a:cs typeface="Courier New" pitchFamily="34" charset="-120"/>
-              </a:rPr>
-              <a:t>SimpleCNN</a:t>
-            </a:r>
-            <a:r>
-              <a:rPr lang="en-US" sz="2800" dirty="0">
-                <a:solidFill>
-                  <a:srgbClr val="030A18"/>
-                </a:solidFill>
-                <a:latin typeface="Courier New" pitchFamily="34" charset="0"/>
-                <a:ea typeface="Courier New" pitchFamily="34" charset="-122"/>
-                <a:cs typeface="Courier New" pitchFamily="34" charset="-120"/>
-              </a:rPr>
-              <a:t>(</a:t>
-            </a:r>
-            <a:r>
-              <a:rPr lang="en-US" sz="2800" dirty="0" err="1">
-                <a:solidFill>
-                  <a:srgbClr val="030A18"/>
-                </a:solidFill>
-                <a:latin typeface="Courier New" pitchFamily="34" charset="0"/>
-                <a:ea typeface="Courier New" pitchFamily="34" charset="-122"/>
-                <a:cs typeface="Courier New" pitchFamily="34" charset="-120"/>
-              </a:rPr>
-              <a:t>nn.Module</a:t>
-            </a:r>
-            <a:r>
-              <a:rPr lang="en-US" sz="2800" dirty="0">
-                <a:solidFill>
-                  <a:srgbClr val="030A18"/>
-                </a:solidFill>
-                <a:latin typeface="Courier New" pitchFamily="34" charset="0"/>
-                <a:ea typeface="Courier New" pitchFamily="34" charset="-122"/>
-                <a:cs typeface="Courier New" pitchFamily="34" charset="-120"/>
-              </a:rPr>
-              <a:t>):</a:t>
-            </a:r>
-            <a:endParaRPr lang="en-US" sz="2800" dirty="0"/>
-          </a:p>
-          <a:p>
-            <a:pPr marL="0" indent="0">
-              <a:buNone/>
-            </a:pPr>
-            <a:r>
-              <a:rPr lang="en-US" sz="2800" dirty="0">
-                <a:solidFill>
-                  <a:srgbClr val="030A18"/>
-                </a:solidFill>
-                <a:latin typeface="Courier New" pitchFamily="34" charset="0"/>
-                <a:ea typeface="Courier New" pitchFamily="34" charset="-122"/>
-                <a:cs typeface="Courier New" pitchFamily="34" charset="-120"/>
-              </a:rPr>
-              <a:t>    def __</a:t>
-            </a:r>
-            <a:r>
-              <a:rPr lang="en-US" sz="2800" dirty="0" err="1">
-                <a:solidFill>
-                  <a:srgbClr val="030A18"/>
-                </a:solidFill>
-                <a:latin typeface="Courier New" pitchFamily="34" charset="0"/>
-                <a:ea typeface="Courier New" pitchFamily="34" charset="-122"/>
-                <a:cs typeface="Courier New" pitchFamily="34" charset="-120"/>
-              </a:rPr>
-              <a:t>init</a:t>
-            </a:r>
-            <a:r>
-              <a:rPr lang="en-US" sz="2800" dirty="0">
-                <a:solidFill>
-                  <a:srgbClr val="030A18"/>
-                </a:solidFill>
-                <a:latin typeface="Courier New" pitchFamily="34" charset="0"/>
-                <a:ea typeface="Courier New" pitchFamily="34" charset="-122"/>
-                <a:cs typeface="Courier New" pitchFamily="34" charset="-120"/>
-              </a:rPr>
-              <a:t>__(self):</a:t>
-            </a:r>
-            <a:endParaRPr lang="en-US" sz="2800" dirty="0"/>
-          </a:p>
-          <a:p>
-            <a:pPr marL="0" indent="0">
-              <a:buNone/>
-            </a:pPr>
-            <a:r>
-              <a:rPr lang="en-US" sz="2800" dirty="0">
-                <a:solidFill>
-                  <a:srgbClr val="030A18"/>
-                </a:solidFill>
-                <a:latin typeface="Courier New" pitchFamily="34" charset="0"/>
-                <a:ea typeface="Courier New" pitchFamily="34" charset="-122"/>
-                <a:cs typeface="Courier New" pitchFamily="34" charset="-120"/>
-              </a:rPr>
-              <a:t>        super().__</a:t>
-            </a:r>
-            <a:r>
-              <a:rPr lang="en-US" sz="2800" dirty="0" err="1">
-                <a:solidFill>
-                  <a:srgbClr val="030A18"/>
-                </a:solidFill>
-                <a:latin typeface="Courier New" pitchFamily="34" charset="0"/>
-                <a:ea typeface="Courier New" pitchFamily="34" charset="-122"/>
-                <a:cs typeface="Courier New" pitchFamily="34" charset="-120"/>
-              </a:rPr>
-              <a:t>init</a:t>
-            </a:r>
-            <a:r>
-              <a:rPr lang="en-US" sz="2800" dirty="0">
-                <a:solidFill>
-                  <a:srgbClr val="030A18"/>
-                </a:solidFill>
-                <a:latin typeface="Courier New" pitchFamily="34" charset="0"/>
-                <a:ea typeface="Courier New" pitchFamily="34" charset="-122"/>
-                <a:cs typeface="Courier New" pitchFamily="34" charset="-120"/>
-              </a:rPr>
-              <a:t>__()</a:t>
-            </a:r>
-            <a:endParaRPr lang="en-US" sz="2800" dirty="0"/>
-          </a:p>
-          <a:p>
-            <a:pPr marL="0" indent="0">
-              <a:buNone/>
-            </a:pPr>
-            <a:r>
-              <a:rPr lang="en-US" sz="2800" dirty="0">
-                <a:solidFill>
-                  <a:srgbClr val="030A18"/>
-                </a:solidFill>
-                <a:latin typeface="Courier New" pitchFamily="34" charset="0"/>
-                <a:ea typeface="Courier New" pitchFamily="34" charset="-122"/>
-                <a:cs typeface="Courier New" pitchFamily="34" charset="-120"/>
-              </a:rPr>
-              <a:t>        self.conv1 = nn.Conv2d(</a:t>
-            </a:r>
-            <a:r>
-              <a:rPr lang="en-US" sz="2800" dirty="0" err="1">
-                <a:solidFill>
-                  <a:srgbClr val="030A18"/>
-                </a:solidFill>
-                <a:latin typeface="Courier New" pitchFamily="34" charset="0"/>
-                <a:ea typeface="Courier New" pitchFamily="34" charset="-122"/>
-                <a:cs typeface="Courier New" pitchFamily="34" charset="-120"/>
-              </a:rPr>
-              <a:t>in_channels</a:t>
-            </a:r>
-            <a:r>
-              <a:rPr lang="en-US" sz="2800" dirty="0">
-                <a:solidFill>
-                  <a:srgbClr val="030A18"/>
-                </a:solidFill>
-                <a:latin typeface="Courier New" pitchFamily="34" charset="0"/>
-                <a:ea typeface="Courier New" pitchFamily="34" charset="-122"/>
-                <a:cs typeface="Courier New" pitchFamily="34" charset="-120"/>
-              </a:rPr>
-              <a:t>=1, </a:t>
-            </a:r>
-            <a:r>
-              <a:rPr lang="en-US" sz="2800" dirty="0" err="1">
-                <a:solidFill>
-                  <a:srgbClr val="030A18"/>
-                </a:solidFill>
-                <a:latin typeface="Courier New" pitchFamily="34" charset="0"/>
-                <a:ea typeface="Courier New" pitchFamily="34" charset="-122"/>
-                <a:cs typeface="Courier New" pitchFamily="34" charset="-120"/>
-              </a:rPr>
-              <a:t>out_channels</a:t>
-            </a:r>
-            <a:r>
-              <a:rPr lang="en-US" sz="2800" dirty="0">
-                <a:solidFill>
-                  <a:srgbClr val="030A18"/>
-                </a:solidFill>
-                <a:latin typeface="Courier New" pitchFamily="34" charset="0"/>
-                <a:ea typeface="Courier New" pitchFamily="34" charset="-122"/>
-                <a:cs typeface="Courier New" pitchFamily="34" charset="-120"/>
-              </a:rPr>
-              <a:t>=8, </a:t>
-            </a:r>
-            <a:r>
-              <a:rPr lang="en-US" sz="2800" dirty="0" err="1">
-                <a:solidFill>
-                  <a:srgbClr val="030A18"/>
-                </a:solidFill>
-                <a:latin typeface="Courier New" pitchFamily="34" charset="0"/>
-                <a:ea typeface="Courier New" pitchFamily="34" charset="-122"/>
-                <a:cs typeface="Courier New" pitchFamily="34" charset="-120"/>
-              </a:rPr>
-              <a:t>kernel_size</a:t>
-            </a:r>
-            <a:r>
-              <a:rPr lang="en-US" sz="2800" dirty="0">
-                <a:solidFill>
-                  <a:srgbClr val="030A18"/>
-                </a:solidFill>
-                <a:latin typeface="Courier New" pitchFamily="34" charset="0"/>
-                <a:ea typeface="Courier New" pitchFamily="34" charset="-122"/>
-                <a:cs typeface="Courier New" pitchFamily="34" charset="-120"/>
-              </a:rPr>
-              <a:t>=3)</a:t>
-            </a:r>
-            <a:endParaRPr lang="en-US" sz="2800" dirty="0"/>
-          </a:p>
-          <a:p>
-            <a:pPr marL="0" indent="0">
-              <a:buNone/>
-            </a:pPr>
-            <a:r>
-              <a:rPr lang="en-US" sz="2800" dirty="0">
-                <a:solidFill>
-                  <a:srgbClr val="030A18"/>
-                </a:solidFill>
-                <a:latin typeface="Courier New" pitchFamily="34" charset="0"/>
-                <a:ea typeface="Courier New" pitchFamily="34" charset="-122"/>
-                <a:cs typeface="Courier New" pitchFamily="34" charset="-120"/>
-              </a:rPr>
-              <a:t>        </a:t>
-            </a:r>
-            <a:r>
-              <a:rPr lang="en-US" sz="2800" dirty="0" err="1">
-                <a:solidFill>
-                  <a:srgbClr val="030A18"/>
-                </a:solidFill>
-                <a:latin typeface="Courier New" pitchFamily="34" charset="0"/>
-                <a:ea typeface="Courier New" pitchFamily="34" charset="-122"/>
-                <a:cs typeface="Courier New" pitchFamily="34" charset="-120"/>
-              </a:rPr>
-              <a:t>self.pool</a:t>
-            </a:r>
-            <a:r>
-              <a:rPr lang="en-US" sz="2800" dirty="0">
-                <a:solidFill>
-                  <a:srgbClr val="030A18"/>
-                </a:solidFill>
-                <a:latin typeface="Courier New" pitchFamily="34" charset="0"/>
-                <a:ea typeface="Courier New" pitchFamily="34" charset="-122"/>
-                <a:cs typeface="Courier New" pitchFamily="34" charset="-120"/>
-              </a:rPr>
-              <a:t> = nn.MaxPool2d(</a:t>
-            </a:r>
-            <a:r>
-              <a:rPr lang="en-US" sz="2800" dirty="0" err="1">
-                <a:solidFill>
-                  <a:srgbClr val="030A18"/>
-                </a:solidFill>
-                <a:latin typeface="Courier New" pitchFamily="34" charset="0"/>
-                <a:ea typeface="Courier New" pitchFamily="34" charset="-122"/>
-                <a:cs typeface="Courier New" pitchFamily="34" charset="-120"/>
-              </a:rPr>
-              <a:t>kernel_size</a:t>
-            </a:r>
-            <a:r>
-              <a:rPr lang="en-US" sz="2800" dirty="0">
-                <a:solidFill>
-                  <a:srgbClr val="030A18"/>
-                </a:solidFill>
-                <a:latin typeface="Courier New" pitchFamily="34" charset="0"/>
-                <a:ea typeface="Courier New" pitchFamily="34" charset="-122"/>
-                <a:cs typeface="Courier New" pitchFamily="34" charset="-120"/>
-              </a:rPr>
-              <a:t>=2, stride=2)</a:t>
-            </a:r>
-            <a:endParaRPr lang="en-US" sz="2800" dirty="0"/>
-          </a:p>
-          <a:p>
-            <a:pPr marL="0" indent="0">
-              <a:buNone/>
-            </a:pPr>
-            <a:r>
-              <a:rPr lang="en-US" sz="2800" dirty="0">
-                <a:solidFill>
-                  <a:srgbClr val="030A18"/>
-                </a:solidFill>
-                <a:latin typeface="Courier New" pitchFamily="34" charset="0"/>
-                <a:ea typeface="Courier New" pitchFamily="34" charset="-122"/>
-                <a:cs typeface="Courier New" pitchFamily="34" charset="-120"/>
-              </a:rPr>
-              <a:t>        self.fc1 = </a:t>
-            </a:r>
-            <a:r>
-              <a:rPr lang="en-US" sz="2800" dirty="0" err="1">
-                <a:solidFill>
-                  <a:srgbClr val="030A18"/>
-                </a:solidFill>
-                <a:latin typeface="Courier New" pitchFamily="34" charset="0"/>
-                <a:ea typeface="Courier New" pitchFamily="34" charset="-122"/>
-                <a:cs typeface="Courier New" pitchFamily="34" charset="-120"/>
-              </a:rPr>
-              <a:t>nn.Linear</a:t>
-            </a:r>
-            <a:r>
-              <a:rPr lang="en-US" sz="2800" dirty="0">
-                <a:solidFill>
-                  <a:srgbClr val="030A18"/>
-                </a:solidFill>
-                <a:latin typeface="Courier New" pitchFamily="34" charset="0"/>
-                <a:ea typeface="Courier New" pitchFamily="34" charset="-122"/>
-                <a:cs typeface="Courier New" pitchFamily="34" charset="-120"/>
-              </a:rPr>
-              <a:t>(8 * 3 * 3, 10)</a:t>
-            </a:r>
-            <a:endParaRPr lang="en-US" sz="2800" dirty="0"/>
-          </a:p>
-          <a:p>
-            <a:pPr marL="0" indent="0">
-              <a:buNone/>
-            </a:pPr>
-            <a:r>
-              <a:rPr lang="en-US" sz="2800" dirty="0">
-                <a:solidFill>
-                  <a:srgbClr val="030A18"/>
-                </a:solidFill>
-                <a:latin typeface="Courier New" pitchFamily="34" charset="0"/>
-                <a:ea typeface="Courier New" pitchFamily="34" charset="-122"/>
-                <a:cs typeface="Courier New" pitchFamily="34" charset="-120"/>
-              </a:rPr>
-              <a:t>    def forward(self, x):</a:t>
-            </a:r>
-            <a:endParaRPr lang="en-US" sz="2800" dirty="0"/>
-          </a:p>
-          <a:p>
-            <a:pPr marL="0" indent="0">
-              <a:buNone/>
-            </a:pPr>
-            <a:r>
-              <a:rPr lang="en-US" sz="2800" dirty="0">
-                <a:solidFill>
-                  <a:srgbClr val="030A18"/>
-                </a:solidFill>
-                <a:latin typeface="Courier New" pitchFamily="34" charset="0"/>
-                <a:ea typeface="Courier New" pitchFamily="34" charset="-122"/>
-                <a:cs typeface="Courier New" pitchFamily="34" charset="-120"/>
-              </a:rPr>
-              <a:t>        x = </a:t>
-            </a:r>
-            <a:r>
-              <a:rPr lang="en-US" sz="2800" dirty="0" err="1">
-                <a:solidFill>
-                  <a:srgbClr val="030A18"/>
-                </a:solidFill>
-                <a:latin typeface="Courier New" pitchFamily="34" charset="0"/>
-                <a:ea typeface="Courier New" pitchFamily="34" charset="-122"/>
-                <a:cs typeface="Courier New" pitchFamily="34" charset="-120"/>
-              </a:rPr>
-              <a:t>nn.functional.relu</a:t>
-            </a:r>
-            <a:r>
-              <a:rPr lang="en-US" sz="2800" dirty="0">
-                <a:solidFill>
-                  <a:srgbClr val="030A18"/>
-                </a:solidFill>
-                <a:latin typeface="Courier New" pitchFamily="34" charset="0"/>
-                <a:ea typeface="Courier New" pitchFamily="34" charset="-122"/>
-                <a:cs typeface="Courier New" pitchFamily="34" charset="-120"/>
-              </a:rPr>
-              <a:t>(self.conv1(x))</a:t>
-            </a:r>
-            <a:endParaRPr lang="en-US" sz="2800" dirty="0"/>
-          </a:p>
-          <a:p>
-            <a:pPr marL="0" indent="0">
-              <a:buNone/>
-            </a:pPr>
-            <a:r>
-              <a:rPr lang="en-US" sz="2800" dirty="0">
-                <a:solidFill>
-                  <a:srgbClr val="030A18"/>
-                </a:solidFill>
-                <a:latin typeface="Courier New" pitchFamily="34" charset="0"/>
-                <a:ea typeface="Courier New" pitchFamily="34" charset="-122"/>
-                <a:cs typeface="Courier New" pitchFamily="34" charset="-120"/>
-              </a:rPr>
-              <a:t>        x = </a:t>
-            </a:r>
-            <a:r>
-              <a:rPr lang="en-US" sz="2800" dirty="0" err="1">
-                <a:solidFill>
-                  <a:srgbClr val="030A18"/>
-                </a:solidFill>
-                <a:latin typeface="Courier New" pitchFamily="34" charset="0"/>
-                <a:ea typeface="Courier New" pitchFamily="34" charset="-122"/>
-                <a:cs typeface="Courier New" pitchFamily="34" charset="-120"/>
-              </a:rPr>
-              <a:t>self.pool</a:t>
-            </a:r>
-            <a:r>
-              <a:rPr lang="en-US" sz="2800" dirty="0">
-                <a:solidFill>
-                  <a:srgbClr val="030A18"/>
-                </a:solidFill>
-                <a:latin typeface="Courier New" pitchFamily="34" charset="0"/>
-                <a:ea typeface="Courier New" pitchFamily="34" charset="-122"/>
-                <a:cs typeface="Courier New" pitchFamily="34" charset="-120"/>
-              </a:rPr>
-              <a:t>(x)</a:t>
-            </a:r>
-            <a:endParaRPr lang="en-US" sz="2800" dirty="0"/>
-          </a:p>
-          <a:p>
-            <a:pPr marL="0" indent="0">
-              <a:buNone/>
-            </a:pPr>
-            <a:r>
-              <a:rPr lang="en-US" sz="2800" dirty="0">
-                <a:solidFill>
-                  <a:srgbClr val="030A18"/>
-                </a:solidFill>
-                <a:latin typeface="Courier New" pitchFamily="34" charset="0"/>
-                <a:ea typeface="Courier New" pitchFamily="34" charset="-122"/>
-                <a:cs typeface="Courier New" pitchFamily="34" charset="-120"/>
-              </a:rPr>
-              <a:t>        x = </a:t>
-            </a:r>
-            <a:r>
-              <a:rPr lang="en-US" sz="2800" dirty="0" err="1">
-                <a:solidFill>
-                  <a:srgbClr val="030A18"/>
-                </a:solidFill>
-                <a:latin typeface="Courier New" pitchFamily="34" charset="0"/>
-                <a:ea typeface="Courier New" pitchFamily="34" charset="-122"/>
-                <a:cs typeface="Courier New" pitchFamily="34" charset="-120"/>
-              </a:rPr>
-              <a:t>x.view</a:t>
-            </a:r>
-            <a:r>
-              <a:rPr lang="en-US" sz="2800" dirty="0">
-                <a:solidFill>
-                  <a:srgbClr val="030A18"/>
-                </a:solidFill>
-                <a:latin typeface="Courier New" pitchFamily="34" charset="0"/>
-                <a:ea typeface="Courier New" pitchFamily="34" charset="-122"/>
-                <a:cs typeface="Courier New" pitchFamily="34" charset="-120"/>
-              </a:rPr>
-              <a:t>(</a:t>
-            </a:r>
-            <a:r>
-              <a:rPr lang="en-US" sz="2800" dirty="0" err="1">
-                <a:solidFill>
-                  <a:srgbClr val="030A18"/>
-                </a:solidFill>
-                <a:latin typeface="Courier New" pitchFamily="34" charset="0"/>
-                <a:ea typeface="Courier New" pitchFamily="34" charset="-122"/>
-                <a:cs typeface="Courier New" pitchFamily="34" charset="-120"/>
-              </a:rPr>
-              <a:t>x.size</a:t>
-            </a:r>
-            <a:r>
-              <a:rPr lang="en-US" sz="2800" dirty="0">
-                <a:solidFill>
-                  <a:srgbClr val="030A18"/>
-                </a:solidFill>
-                <a:latin typeface="Courier New" pitchFamily="34" charset="0"/>
-                <a:ea typeface="Courier New" pitchFamily="34" charset="-122"/>
-                <a:cs typeface="Courier New" pitchFamily="34" charset="-120"/>
-              </a:rPr>
-              <a:t>(0), -1)</a:t>
-            </a:r>
-            <a:endParaRPr lang="en-US" sz="2800" dirty="0"/>
-          </a:p>
-          <a:p>
-            <a:pPr marL="0" indent="0">
-              <a:buNone/>
-            </a:pPr>
-            <a:r>
-              <a:rPr lang="en-US" sz="2800" dirty="0">
-                <a:solidFill>
-                  <a:srgbClr val="030A18"/>
-                </a:solidFill>
-                <a:latin typeface="Courier New" pitchFamily="34" charset="0"/>
-                <a:ea typeface="Courier New" pitchFamily="34" charset="-122"/>
-                <a:cs typeface="Courier New" pitchFamily="34" charset="-120"/>
-              </a:rPr>
-              <a:t>        x = self.fc1(x)</a:t>
-            </a:r>
-            <a:endParaRPr lang="en-US" sz="2800" dirty="0"/>
-          </a:p>
-          <a:p>
-            <a:pPr marL="0" indent="0">
-              <a:buNone/>
-            </a:pPr>
-            <a:r>
-              <a:rPr lang="en-US" sz="2800" dirty="0">
-                <a:solidFill>
-                  <a:srgbClr val="030A18"/>
-                </a:solidFill>
-                <a:latin typeface="Courier New" pitchFamily="34" charset="0"/>
-                <a:ea typeface="Courier New" pitchFamily="34" charset="-122"/>
-                <a:cs typeface="Courier New" pitchFamily="34" charset="-120"/>
-              </a:rPr>
-              <a:t>        return x</a:t>
-            </a:r>
-            <a:endParaRPr lang="en-US" dirty="0"/>
-          </a:p>
-          <a:p>
-            <a:endParaRPr lang="en-US" dirty="0"/>
+              <a:rPr lang="en-US" dirty="0" err="1"/>
+              <a:t>LeNet</a:t>
+            </a:r>
+            <a:r>
+              <a:rPr lang="en-US" dirty="0"/>
+              <a:t> (1998): early handwritten digit </a:t>
+            </a:r>
+            <a:r>
+              <a:rPr lang="en-US" dirty="0" err="1"/>
+              <a:t>recogniser</a:t>
+            </a:r>
+            <a:r>
+              <a:rPr lang="en-US" dirty="0"/>
+              <a:t>; 5×5 filters, tanh activations.</a:t>
+            </a:r>
+          </a:p>
+          <a:p>
+            <a:r>
+              <a:rPr lang="en-US" dirty="0" err="1"/>
+              <a:t>AlexNet</a:t>
+            </a:r>
+            <a:r>
+              <a:rPr lang="en-US" dirty="0"/>
+              <a:t> (2012): deeper nets with </a:t>
+            </a:r>
+            <a:r>
+              <a:rPr lang="en-US" dirty="0" err="1"/>
+              <a:t>ReLU</a:t>
+            </a:r>
+            <a:r>
+              <a:rPr lang="en-US" dirty="0"/>
+              <a:t>, dropout and 3×3 / 11×11 conv layers; won ImageNet competition.</a:t>
+            </a:r>
+          </a:p>
+          <a:p>
+            <a:r>
+              <a:rPr lang="en-US" dirty="0"/>
+              <a:t>VGG (2014): very deep (16–19 layers) using only 3×3 </a:t>
+            </a:r>
+            <a:r>
+              <a:rPr lang="en-US" dirty="0" err="1"/>
+              <a:t>convs</a:t>
+            </a:r>
+            <a:r>
+              <a:rPr lang="en-US" dirty="0"/>
+              <a:t> and 2×2 pooling.</a:t>
+            </a:r>
+          </a:p>
+          <a:p>
+            <a:r>
+              <a:rPr lang="en-US" dirty="0" err="1"/>
+              <a:t>ResNet</a:t>
+            </a:r>
+            <a:r>
+              <a:rPr lang="en-US" dirty="0"/>
+              <a:t> (2015): introduces skip connections to ease training very deep networks (up to hundreds of layers).</a:t>
+            </a:r>
           </a:p>
           <a:p>
             <a:endParaRPr lang="en-US" dirty="0"/>
@@ -15282,7 +13924,7 @@
     </p:spTree>
     <p:extLst>
       <p:ext uri="{BB962C8B-B14F-4D97-AF65-F5344CB8AC3E}">
-        <p14:creationId xmlns:p14="http://schemas.microsoft.com/office/powerpoint/2010/main" val="743238056"/>
+        <p14:creationId xmlns:p14="http://schemas.microsoft.com/office/powerpoint/2010/main" val="1874886"/>
       </p:ext>
     </p:extLst>
   </p:cSld>
@@ -15405,8 +14047,8 @@
           </a:p>
         </p:txBody>
       </p:sp>
-      <mc:AlternateContent xmlns:mc="http://schemas.openxmlformats.org/markup-compatibility/2006">
-        <mc:Choice xmlns:a14="http://schemas.microsoft.com/office/drawing/2010/main" Requires="a14">
+      <mc:AlternateContent xmlns:mc="http://schemas.openxmlformats.org/markup-compatibility/2006" xmlns:a14="http://schemas.microsoft.com/office/drawing/2010/main">
+        <mc:Choice Requires="a14">
           <p:sp>
             <p:nvSpPr>
               <p:cNvPr id="6" name="Oval 5">
@@ -15488,7 +14130,7 @@
             </p:txBody>
           </p:sp>
         </mc:Choice>
-        <mc:Fallback>
+        <mc:Fallback xmlns="">
           <p:sp>
             <p:nvSpPr>
               <p:cNvPr id="6" name="Oval 5">
@@ -15533,8 +14175,8 @@
           </p:sp>
         </mc:Fallback>
       </mc:AlternateContent>
-      <mc:AlternateContent xmlns:mc="http://schemas.openxmlformats.org/markup-compatibility/2006">
-        <mc:Choice xmlns:a14="http://schemas.microsoft.com/office/drawing/2010/main" Requires="a14">
+      <mc:AlternateContent xmlns:mc="http://schemas.openxmlformats.org/markup-compatibility/2006" xmlns:a14="http://schemas.microsoft.com/office/drawing/2010/main">
+        <mc:Choice Requires="a14">
           <p:sp>
             <p:nvSpPr>
               <p:cNvPr id="7" name="Oval 6">
@@ -15616,7 +14258,7 @@
             </p:txBody>
           </p:sp>
         </mc:Choice>
-        <mc:Fallback>
+        <mc:Fallback xmlns="">
           <p:sp>
             <p:nvSpPr>
               <p:cNvPr id="7" name="Oval 6">
@@ -15661,8 +14303,8 @@
           </p:sp>
         </mc:Fallback>
       </mc:AlternateContent>
-      <mc:AlternateContent xmlns:mc="http://schemas.openxmlformats.org/markup-compatibility/2006">
-        <mc:Choice xmlns:a14="http://schemas.microsoft.com/office/drawing/2010/main" Requires="a14">
+      <mc:AlternateContent xmlns:mc="http://schemas.openxmlformats.org/markup-compatibility/2006" xmlns:a14="http://schemas.microsoft.com/office/drawing/2010/main">
+        <mc:Choice Requires="a14">
           <p:sp>
             <p:nvSpPr>
               <p:cNvPr id="8" name="Oval 7">
@@ -15744,7 +14386,7 @@
             </p:txBody>
           </p:sp>
         </mc:Choice>
-        <mc:Fallback>
+        <mc:Fallback xmlns="">
           <p:sp>
             <p:nvSpPr>
               <p:cNvPr id="8" name="Oval 7">
@@ -15789,8 +14431,8 @@
           </p:sp>
         </mc:Fallback>
       </mc:AlternateContent>
-      <mc:AlternateContent xmlns:mc="http://schemas.openxmlformats.org/markup-compatibility/2006">
-        <mc:Choice xmlns:a14="http://schemas.microsoft.com/office/drawing/2010/main" Requires="a14">
+      <mc:AlternateContent xmlns:mc="http://schemas.openxmlformats.org/markup-compatibility/2006" xmlns:a14="http://schemas.microsoft.com/office/drawing/2010/main">
+        <mc:Choice Requires="a14">
           <p:sp>
             <p:nvSpPr>
               <p:cNvPr id="9" name="Oval 8">
@@ -15875,7 +14517,7 @@
             </p:txBody>
           </p:sp>
         </mc:Choice>
-        <mc:Fallback>
+        <mc:Fallback xmlns="">
           <p:sp>
             <p:nvSpPr>
               <p:cNvPr id="9" name="Oval 8">
@@ -15920,8 +14562,8 @@
           </p:sp>
         </mc:Fallback>
       </mc:AlternateContent>
-      <mc:AlternateContent xmlns:mc="http://schemas.openxmlformats.org/markup-compatibility/2006">
-        <mc:Choice xmlns:a14="http://schemas.microsoft.com/office/drawing/2010/main" Requires="a14">
+      <mc:AlternateContent xmlns:mc="http://schemas.openxmlformats.org/markup-compatibility/2006" xmlns:a14="http://schemas.microsoft.com/office/drawing/2010/main">
+        <mc:Choice Requires="a14">
           <p:sp>
             <p:nvSpPr>
               <p:cNvPr id="10" name="Oval 9">
@@ -16006,7 +14648,7 @@
             </p:txBody>
           </p:sp>
         </mc:Choice>
-        <mc:Fallback>
+        <mc:Fallback xmlns="">
           <p:sp>
             <p:nvSpPr>
               <p:cNvPr id="10" name="Oval 9">
@@ -16051,8 +14693,8 @@
           </p:sp>
         </mc:Fallback>
       </mc:AlternateContent>
-      <mc:AlternateContent xmlns:mc="http://schemas.openxmlformats.org/markup-compatibility/2006">
-        <mc:Choice xmlns:a14="http://schemas.microsoft.com/office/drawing/2010/main" Requires="a14">
+      <mc:AlternateContent xmlns:mc="http://schemas.openxmlformats.org/markup-compatibility/2006" xmlns:a14="http://schemas.microsoft.com/office/drawing/2010/main">
+        <mc:Choice Requires="a14">
           <p:sp>
             <p:nvSpPr>
               <p:cNvPr id="11" name="Oval 10">
@@ -16140,7 +14782,7 @@
             </p:txBody>
           </p:sp>
         </mc:Choice>
-        <mc:Fallback>
+        <mc:Fallback xmlns="">
           <p:sp>
             <p:nvSpPr>
               <p:cNvPr id="11" name="Oval 10">
@@ -16529,8 +15171,8 @@
           </a:fontRef>
         </p:style>
       </p:cxnSp>
-      <mc:AlternateContent xmlns:mc="http://schemas.openxmlformats.org/markup-compatibility/2006">
-        <mc:Choice xmlns:a14="http://schemas.microsoft.com/office/drawing/2010/main" Requires="a14">
+      <mc:AlternateContent xmlns:mc="http://schemas.openxmlformats.org/markup-compatibility/2006" xmlns:a14="http://schemas.microsoft.com/office/drawing/2010/main">
+        <mc:Choice Requires="a14">
           <p:sp>
             <p:nvSpPr>
               <p:cNvPr id="20" name="TextBox 19">
@@ -16641,7 +15283,7 @@
             </p:txBody>
           </p:sp>
         </mc:Choice>
-        <mc:Fallback>
+        <mc:Fallback xmlns="">
           <p:sp>
             <p:nvSpPr>
               <p:cNvPr id="20" name="TextBox 19">
@@ -16686,8 +15328,8 @@
           </p:sp>
         </mc:Fallback>
       </mc:AlternateContent>
-      <mc:AlternateContent xmlns:mc="http://schemas.openxmlformats.org/markup-compatibility/2006">
-        <mc:Choice xmlns:a14="http://schemas.microsoft.com/office/drawing/2010/main" Requires="a14">
+      <mc:AlternateContent xmlns:mc="http://schemas.openxmlformats.org/markup-compatibility/2006" xmlns:a14="http://schemas.microsoft.com/office/drawing/2010/main">
+        <mc:Choice Requires="a14">
           <p:sp>
             <p:nvSpPr>
               <p:cNvPr id="21" name="TextBox 20">
@@ -16805,7 +15447,7 @@
             </p:txBody>
           </p:sp>
         </mc:Choice>
-        <mc:Fallback>
+        <mc:Fallback xmlns="">
           <p:sp>
             <p:nvSpPr>
               <p:cNvPr id="21" name="TextBox 20">
@@ -16850,8 +15492,8 @@
           </p:sp>
         </mc:Fallback>
       </mc:AlternateContent>
-      <mc:AlternateContent xmlns:mc="http://schemas.openxmlformats.org/markup-compatibility/2006">
-        <mc:Choice xmlns:a14="http://schemas.microsoft.com/office/drawing/2010/main" Requires="a14">
+      <mc:AlternateContent xmlns:mc="http://schemas.openxmlformats.org/markup-compatibility/2006" xmlns:a14="http://schemas.microsoft.com/office/drawing/2010/main">
+        <mc:Choice Requires="a14">
           <p:sp>
             <p:nvSpPr>
               <p:cNvPr id="22" name="TextBox 21">
@@ -16969,7 +15611,7 @@
             </p:txBody>
           </p:sp>
         </mc:Choice>
-        <mc:Fallback>
+        <mc:Fallback xmlns="">
           <p:sp>
             <p:nvSpPr>
               <p:cNvPr id="22" name="TextBox 21">
@@ -17046,194 +15688,144 @@
       </p:grpSpPr>
       <p:sp>
         <p:nvSpPr>
-          <p:cNvPr id="2" name="Text 0"/>
-          <p:cNvSpPr/>
-          <p:nvPr/>
-        </p:nvSpPr>
-        <p:spPr>
-          <a:xfrm>
-            <a:off x="365760" y="365760"/>
-            <a:ext cx="11460480" cy="670560"/>
-          </a:xfrm>
-          <a:prstGeom prst="rect">
-            <a:avLst/>
-          </a:prstGeom>
-          <a:noFill/>
-          <a:ln/>
-        </p:spPr>
-        <p:txBody>
-          <a:bodyPr wrap="square" rtlCol="0" anchor="ctr"/>
-          <a:lstStyle/>
-          <a:p>
-            <a:r>
-              <a:rPr lang="en-US" sz="3200" dirty="0">
-                <a:solidFill>
-                  <a:srgbClr val="030A18"/>
-                </a:solidFill>
-                <a:latin typeface="Arial" pitchFamily="34" charset="0"/>
-                <a:ea typeface="Arial" pitchFamily="34" charset="-122"/>
-                <a:cs typeface="Arial" pitchFamily="34" charset="-120"/>
-              </a:rPr>
-              <a:t>Common CNN architectures</a:t>
-            </a:r>
-            <a:endParaRPr lang="en-US" sz="3200" dirty="0"/>
-          </a:p>
-        </p:txBody>
-      </p:sp>
-      <p:sp>
-        <p:nvSpPr>
-          <p:cNvPr id="3" name="Text 1"/>
-          <p:cNvSpPr/>
-          <p:nvPr/>
-        </p:nvSpPr>
-        <p:spPr>
-          <a:xfrm>
-            <a:off x="853440" y="2438400"/>
-            <a:ext cx="10485120" cy="4023360"/>
-          </a:xfrm>
-          <a:prstGeom prst="rect">
-            <a:avLst/>
-          </a:prstGeom>
-          <a:noFill/>
-          <a:ln/>
-        </p:spPr>
-        <p:txBody>
-          <a:bodyPr wrap="square" rtlCol="0" anchor="ctr"/>
-          <a:lstStyle/>
-          <a:p>
-            <a:pPr marL="253994" indent="-253994">
-              <a:buSzPct val="100000"/>
+          <p:cNvPr id="2" name="Title 1">
+            <a:extLst>
+              <a:ext uri="{FF2B5EF4-FFF2-40B4-BE49-F238E27FC236}">
+                <a16:creationId xmlns:a16="http://schemas.microsoft.com/office/drawing/2014/main" id="{5052E3C7-E02A-F443-93FF-99B0D12844EC}"/>
+              </a:ext>
+            </a:extLst>
+          </p:cNvPr>
+          <p:cNvSpPr>
+            <a:spLocks noGrp="1"/>
+          </p:cNvSpPr>
+          <p:nvPr>
+            <p:ph type="title"/>
+          </p:nvPr>
+        </p:nvSpPr>
+        <p:spPr/>
+        <p:txBody>
+          <a:bodyPr/>
+          <a:lstStyle/>
+          <a:p>
+            <a:r>
+              <a:rPr lang="en-US" dirty="0"/>
+              <a:t>Summary</a:t>
+            </a:r>
+          </a:p>
+        </p:txBody>
+      </p:sp>
+      <p:sp>
+        <p:nvSpPr>
+          <p:cNvPr id="3" name="Content Placeholder 2">
+            <a:extLst>
+              <a:ext uri="{FF2B5EF4-FFF2-40B4-BE49-F238E27FC236}">
+                <a16:creationId xmlns:a16="http://schemas.microsoft.com/office/drawing/2014/main" id="{92B1495C-38DD-F9F0-478E-D16C6E4C61EA}"/>
+              </a:ext>
+            </a:extLst>
+          </p:cNvPr>
+          <p:cNvSpPr>
+            <a:spLocks noGrp="1"/>
+          </p:cNvSpPr>
+          <p:nvPr>
+            <p:ph idx="1"/>
+          </p:nvPr>
+        </p:nvSpPr>
+        <p:spPr/>
+        <p:txBody>
+          <a:bodyPr>
+            <a:normAutofit fontScale="77500" lnSpcReduction="20000"/>
+          </a:bodyPr>
+          <a:lstStyle/>
+          <a:p>
+            <a:pPr marL="457200" indent="-457200">
+              <a:buFont typeface="Arial" panose="020B0604020202020204" pitchFamily="34" charset="0"/>
               <a:buChar char="•"/>
             </a:pPr>
             <a:r>
-              <a:rPr lang="en-US" sz="1600" dirty="0">
-                <a:solidFill>
-                  <a:srgbClr val="030A18"/>
-                </a:solidFill>
-              </a:rPr>
-              <a:t>LeNet (1998): early handwritten digit recogniser; 5×5 filters, tanh activations.
-</a:t>
-            </a:r>
-            <a:endParaRPr lang="en-US" sz="1600" dirty="0"/>
-          </a:p>
-          <a:p>
-            <a:pPr marL="253994" indent="-253994">
-              <a:buSzPct val="100000"/>
+              <a:rPr lang="en-US" dirty="0"/>
+              <a:t>Dense networks connect everything, but convolutions exploit locality and sharing to scale to high‑dimensional inputs.</a:t>
+            </a:r>
+          </a:p>
+          <a:p>
+            <a:pPr marL="457200" indent="-457200">
+              <a:buFont typeface="Arial" panose="020B0604020202020204" pitchFamily="34" charset="0"/>
               <a:buChar char="•"/>
             </a:pPr>
             <a:r>
-              <a:rPr lang="en-US" sz="1600" dirty="0">
-                <a:solidFill>
-                  <a:srgbClr val="030A18"/>
-                </a:solidFill>
-              </a:rPr>
-              <a:t>AlexNet (2012): deeper nets with ReLU, dropout and 3×3 / 11×11 conv layers; won ImageNet competition.
-</a:t>
-            </a:r>
-            <a:endParaRPr lang="en-US" sz="1600" dirty="0"/>
-          </a:p>
-          <a:p>
-            <a:pPr marL="253994" indent="-253994">
-              <a:buSzPct val="100000"/>
+              <a:rPr lang="en-US" dirty="0"/>
+              <a:t>Layer types such as dropout, batch norm, activations and pooling enable training deeper networks, </a:t>
+            </a:r>
+            <a:r>
+              <a:rPr lang="en-US" dirty="0" err="1"/>
+              <a:t>stabilise</a:t>
+            </a:r>
+            <a:r>
+              <a:rPr lang="en-US" dirty="0"/>
+              <a:t> learning and improve </a:t>
+            </a:r>
+            <a:r>
+              <a:rPr lang="en-US" dirty="0" err="1"/>
+              <a:t>generalisation</a:t>
+            </a:r>
+            <a:r>
+              <a:rPr lang="en-US" dirty="0"/>
+              <a:t>.</a:t>
+            </a:r>
+          </a:p>
+          <a:p>
+            <a:pPr marL="457200" indent="-457200">
+              <a:buFont typeface="Arial" panose="020B0604020202020204" pitchFamily="34" charset="0"/>
               <a:buChar char="•"/>
             </a:pPr>
             <a:r>
-              <a:rPr lang="en-US" sz="1600" dirty="0">
-                <a:solidFill>
-                  <a:srgbClr val="030A18"/>
-                </a:solidFill>
-              </a:rPr>
-              <a:t>VGG (2014): very deep (16–19 layers) using only 3×3 convs and 2×2 pooling.
-</a:t>
-            </a:r>
-            <a:endParaRPr lang="en-US" sz="1600" dirty="0"/>
-          </a:p>
-          <a:p>
-            <a:pPr marL="253994" indent="-253994">
-              <a:buSzPct val="100000"/>
+              <a:rPr lang="en-US" dirty="0"/>
+              <a:t>Convolution extends naturally to 2D inputs with multi‑channel filters; stride and padding control output shapes.</a:t>
+            </a:r>
+          </a:p>
+          <a:p>
+            <a:pPr marL="457200" indent="-457200">
+              <a:buFont typeface="Arial" panose="020B0604020202020204" pitchFamily="34" charset="0"/>
               <a:buChar char="•"/>
             </a:pPr>
             <a:r>
-              <a:rPr lang="en-US" sz="1600" dirty="0">
-                <a:solidFill>
-                  <a:srgbClr val="030A18"/>
-                </a:solidFill>
-              </a:rPr>
-              <a:t>ResNet (2015): introduces skip connections to ease training very deep networks (up to hundreds of layers).
-</a:t>
-            </a:r>
-            <a:endParaRPr lang="en-US" sz="1600" dirty="0"/>
-          </a:p>
-        </p:txBody>
-      </p:sp>
-      <p:sp>
-        <p:nvSpPr>
-          <p:cNvPr id="4" name="Text 2"/>
-          <p:cNvSpPr/>
-          <p:nvPr/>
-        </p:nvSpPr>
-        <p:spPr>
-          <a:xfrm>
-            <a:off x="853440" y="5608320"/>
-            <a:ext cx="10485120" cy="731520"/>
-          </a:xfrm>
-          <a:prstGeom prst="rect">
-            <a:avLst/>
-          </a:prstGeom>
-          <a:noFill/>
-          <a:ln/>
-        </p:spPr>
-        <p:txBody>
-          <a:bodyPr wrap="square" rtlCol="0" anchor="ctr"/>
-          <a:lstStyle/>
-          <a:p>
-            <a:r>
-              <a:rPr lang="en-US" sz="1600" i="1" dirty="0">
-                <a:solidFill>
-                  <a:srgbClr val="030A18"/>
-                </a:solidFill>
-              </a:rPr>
-              <a:t>Milestones of CNN development reflect increasing depth, better activations, regularisation and architectural innovations.</a:t>
-            </a:r>
-            <a:endParaRPr lang="en-US" sz="1600" dirty="0"/>
-          </a:p>
-        </p:txBody>
-      </p:sp>
-      <p:sp>
-        <p:nvSpPr>
-          <p:cNvPr id="5" name="Text 3"/>
-          <p:cNvSpPr/>
-          <p:nvPr/>
-        </p:nvSpPr>
-        <p:spPr>
-          <a:xfrm>
-            <a:off x="609600" y="6431280"/>
-            <a:ext cx="10972800" cy="365760"/>
-          </a:xfrm>
-          <a:prstGeom prst="rect">
-            <a:avLst/>
-          </a:prstGeom>
-          <a:noFill/>
-          <a:ln/>
-        </p:spPr>
-        <p:txBody>
-          <a:bodyPr wrap="square" lIns="0" tIns="0" rIns="0" bIns="0" rtlCol="0" anchor="ctr"/>
-          <a:lstStyle/>
-          <a:p>
-            <a:r>
-              <a:rPr lang="en-US" sz="800" u="sng" dirty="0">
-                <a:solidFill>
-                  <a:srgbClr val="4472C4"/>
-                </a:solidFill>
-                <a:hlinkClick r:id="rId3"/>
-              </a:rPr>
-              <a:t>[47]</a:t>
-            </a:r>
-            <a:endParaRPr lang="en-US" sz="800" dirty="0"/>
+              <a:rPr lang="en-US" dirty="0"/>
+              <a:t>Building blocks combine to form deep CNNs capable of </a:t>
+            </a:r>
+            <a:r>
+              <a:rPr lang="en-US" dirty="0" err="1"/>
+              <a:t>recognising</a:t>
+            </a:r>
+            <a:r>
+              <a:rPr lang="en-US" dirty="0"/>
+              <a:t> complex patterns in images, speech and beyond.</a:t>
+            </a:r>
+          </a:p>
+          <a:p>
+            <a:pPr marL="457200" indent="-457200">
+              <a:buFont typeface="Arial" panose="020B0604020202020204" pitchFamily="34" charset="0"/>
+              <a:buChar char="•"/>
+            </a:pPr>
+            <a:r>
+              <a:rPr lang="en-US" dirty="0"/>
+              <a:t>Continuous innovation (activations, normalization, architectures) and </a:t>
+            </a:r>
+            <a:r>
+              <a:rPr lang="en-US" dirty="0" err="1"/>
+              <a:t>regularisation</a:t>
+            </a:r>
+            <a:r>
+              <a:rPr lang="en-US" dirty="0"/>
+              <a:t> are key to advancing the state of the art.</a:t>
+            </a:r>
           </a:p>
         </p:txBody>
       </p:sp>
     </p:spTree>
+    <p:extLst>
+      <p:ext uri="{BB962C8B-B14F-4D97-AF65-F5344CB8AC3E}">
+        <p14:creationId xmlns:p14="http://schemas.microsoft.com/office/powerpoint/2010/main" val="2902375257"/>
+      </p:ext>
+    </p:extLst>
   </p:cSld>
   <p:clrMapOvr>
     <a:masterClrMapping/>
@@ -17263,315 +15855,6 @@
           <p:cNvPr id="2" name="Title 1">
             <a:extLst>
               <a:ext uri="{FF2B5EF4-FFF2-40B4-BE49-F238E27FC236}">
-                <a16:creationId xmlns:a16="http://schemas.microsoft.com/office/drawing/2014/main" id="{BB088283-06E7-18B1-03DC-B445852C3E06}"/>
-              </a:ext>
-            </a:extLst>
-          </p:cNvPr>
-          <p:cNvSpPr>
-            <a:spLocks noGrp="1"/>
-          </p:cNvSpPr>
-          <p:nvPr>
-            <p:ph type="title"/>
-          </p:nvPr>
-        </p:nvSpPr>
-        <p:spPr/>
-        <p:txBody>
-          <a:bodyPr/>
-          <a:lstStyle/>
-          <a:p>
-            <a:r>
-              <a:rPr lang="en-US" dirty="0"/>
-              <a:t>Common CNN architectures</a:t>
-            </a:r>
-          </a:p>
-        </p:txBody>
-      </p:sp>
-      <p:sp>
-        <p:nvSpPr>
-          <p:cNvPr id="3" name="Content Placeholder 2">
-            <a:extLst>
-              <a:ext uri="{FF2B5EF4-FFF2-40B4-BE49-F238E27FC236}">
-                <a16:creationId xmlns:a16="http://schemas.microsoft.com/office/drawing/2014/main" id="{9942B748-4DFC-1C22-B21A-2C6CD4EBEDC6}"/>
-              </a:ext>
-            </a:extLst>
-          </p:cNvPr>
-          <p:cNvSpPr>
-            <a:spLocks noGrp="1"/>
-          </p:cNvSpPr>
-          <p:nvPr>
-            <p:ph idx="1"/>
-          </p:nvPr>
-        </p:nvSpPr>
-        <p:spPr/>
-        <p:txBody>
-          <a:bodyPr>
-            <a:normAutofit/>
-          </a:bodyPr>
-          <a:lstStyle/>
-          <a:p>
-            <a:r>
-              <a:rPr lang="en-US" dirty="0" err="1"/>
-              <a:t>LeNet</a:t>
-            </a:r>
-            <a:r>
-              <a:rPr lang="en-US" dirty="0"/>
-              <a:t> (1998): early handwritten digit </a:t>
-            </a:r>
-            <a:r>
-              <a:rPr lang="en-US" dirty="0" err="1"/>
-              <a:t>recogniser</a:t>
-            </a:r>
-            <a:r>
-              <a:rPr lang="en-US" dirty="0"/>
-              <a:t>; 5×5 filters, tanh activations.</a:t>
-            </a:r>
-          </a:p>
-          <a:p>
-            <a:r>
-              <a:rPr lang="en-US" dirty="0" err="1"/>
-              <a:t>AlexNet</a:t>
-            </a:r>
-            <a:r>
-              <a:rPr lang="en-US" dirty="0"/>
-              <a:t> (2012): deeper nets with </a:t>
-            </a:r>
-            <a:r>
-              <a:rPr lang="en-US" dirty="0" err="1"/>
-              <a:t>ReLU</a:t>
-            </a:r>
-            <a:r>
-              <a:rPr lang="en-US" dirty="0"/>
-              <a:t>, dropout and 3×3 / 11×11 conv layers; won ImageNet competition.</a:t>
-            </a:r>
-          </a:p>
-          <a:p>
-            <a:r>
-              <a:rPr lang="en-US" dirty="0"/>
-              <a:t>VGG (2014): very deep (16–19 layers) using only 3×3 </a:t>
-            </a:r>
-            <a:r>
-              <a:rPr lang="en-US" dirty="0" err="1"/>
-              <a:t>convs</a:t>
-            </a:r>
-            <a:r>
-              <a:rPr lang="en-US" dirty="0"/>
-              <a:t> and 2×2 pooling.</a:t>
-            </a:r>
-          </a:p>
-          <a:p>
-            <a:r>
-              <a:rPr lang="en-US" dirty="0" err="1"/>
-              <a:t>ResNet</a:t>
-            </a:r>
-            <a:r>
-              <a:rPr lang="en-US" dirty="0"/>
-              <a:t> (2015): introduces skip connections to ease training very deep networks (up to hundreds of layers).</a:t>
-            </a:r>
-          </a:p>
-          <a:p>
-            <a:endParaRPr lang="en-US" dirty="0"/>
-          </a:p>
-        </p:txBody>
-      </p:sp>
-    </p:spTree>
-    <p:extLst>
-      <p:ext uri="{BB962C8B-B14F-4D97-AF65-F5344CB8AC3E}">
-        <p14:creationId xmlns:p14="http://schemas.microsoft.com/office/powerpoint/2010/main" val="1874886"/>
-      </p:ext>
-    </p:extLst>
-  </p:cSld>
-  <p:clrMapOvr>
-    <a:masterClrMapping/>
-  </p:clrMapOvr>
-</p:sld>
-</file>
-
-<file path=ppt/slides/slide32.xml><?xml version="1.0" encoding="utf-8"?>
-<p:sld xmlns:a="http://schemas.openxmlformats.org/drawingml/2006/main" xmlns:r="http://schemas.openxmlformats.org/officeDocument/2006/relationships" xmlns:p="http://schemas.openxmlformats.org/presentationml/2006/main">
-  <p:cSld>
-    <p:spTree>
-      <p:nvGrpSpPr>
-        <p:cNvPr id="1" name=""/>
-        <p:cNvGrpSpPr/>
-        <p:nvPr/>
-      </p:nvGrpSpPr>
-      <p:grpSpPr>
-        <a:xfrm>
-          <a:off x="0" y="0"/>
-          <a:ext cx="0" cy="0"/>
-          <a:chOff x="0" y="0"/>
-          <a:chExt cx="0" cy="0"/>
-        </a:xfrm>
-      </p:grpSpPr>
-      <p:sp>
-        <p:nvSpPr>
-          <p:cNvPr id="2" name="Title 1">
-            <a:extLst>
-              <a:ext uri="{FF2B5EF4-FFF2-40B4-BE49-F238E27FC236}">
-                <a16:creationId xmlns:a16="http://schemas.microsoft.com/office/drawing/2014/main" id="{5052E3C7-E02A-F443-93FF-99B0D12844EC}"/>
-              </a:ext>
-            </a:extLst>
-          </p:cNvPr>
-          <p:cNvSpPr>
-            <a:spLocks noGrp="1"/>
-          </p:cNvSpPr>
-          <p:nvPr>
-            <p:ph type="title"/>
-          </p:nvPr>
-        </p:nvSpPr>
-        <p:spPr/>
-        <p:txBody>
-          <a:bodyPr/>
-          <a:lstStyle/>
-          <a:p>
-            <a:r>
-              <a:rPr lang="en-US" dirty="0"/>
-              <a:t>Summary</a:t>
-            </a:r>
-          </a:p>
-        </p:txBody>
-      </p:sp>
-      <p:sp>
-        <p:nvSpPr>
-          <p:cNvPr id="3" name="Content Placeholder 2">
-            <a:extLst>
-              <a:ext uri="{FF2B5EF4-FFF2-40B4-BE49-F238E27FC236}">
-                <a16:creationId xmlns:a16="http://schemas.microsoft.com/office/drawing/2014/main" id="{92B1495C-38DD-F9F0-478E-D16C6E4C61EA}"/>
-              </a:ext>
-            </a:extLst>
-          </p:cNvPr>
-          <p:cNvSpPr>
-            <a:spLocks noGrp="1"/>
-          </p:cNvSpPr>
-          <p:nvPr>
-            <p:ph idx="1"/>
-          </p:nvPr>
-        </p:nvSpPr>
-        <p:spPr/>
-        <p:txBody>
-          <a:bodyPr>
-            <a:normAutofit fontScale="77500" lnSpcReduction="20000"/>
-          </a:bodyPr>
-          <a:lstStyle/>
-          <a:p>
-            <a:pPr marL="457200" indent="-457200">
-              <a:buFont typeface="Arial" panose="020B0604020202020204" pitchFamily="34" charset="0"/>
-              <a:buChar char="•"/>
-            </a:pPr>
-            <a:r>
-              <a:rPr lang="en-US" dirty="0"/>
-              <a:t>Dense networks connect everything, but convolutions exploit locality and sharing to scale to high‑dimensional inputs.</a:t>
-            </a:r>
-          </a:p>
-          <a:p>
-            <a:pPr marL="457200" indent="-457200">
-              <a:buFont typeface="Arial" panose="020B0604020202020204" pitchFamily="34" charset="0"/>
-              <a:buChar char="•"/>
-            </a:pPr>
-            <a:r>
-              <a:rPr lang="en-US" dirty="0"/>
-              <a:t>Layer types such as dropout, batch norm, activations and pooling enable training deeper networks, </a:t>
-            </a:r>
-            <a:r>
-              <a:rPr lang="en-US" dirty="0" err="1"/>
-              <a:t>stabilise</a:t>
-            </a:r>
-            <a:r>
-              <a:rPr lang="en-US" dirty="0"/>
-              <a:t> learning and improve </a:t>
-            </a:r>
-            <a:r>
-              <a:rPr lang="en-US" dirty="0" err="1"/>
-              <a:t>generalisation</a:t>
-            </a:r>
-            <a:r>
-              <a:rPr lang="en-US" dirty="0"/>
-              <a:t>.</a:t>
-            </a:r>
-          </a:p>
-          <a:p>
-            <a:pPr marL="457200" indent="-457200">
-              <a:buFont typeface="Arial" panose="020B0604020202020204" pitchFamily="34" charset="0"/>
-              <a:buChar char="•"/>
-            </a:pPr>
-            <a:r>
-              <a:rPr lang="en-US" dirty="0"/>
-              <a:t>Convolution extends naturally to 2D inputs with multi‑channel filters; stride and padding control output shapes.</a:t>
-            </a:r>
-          </a:p>
-          <a:p>
-            <a:pPr marL="457200" indent="-457200">
-              <a:buFont typeface="Arial" panose="020B0604020202020204" pitchFamily="34" charset="0"/>
-              <a:buChar char="•"/>
-            </a:pPr>
-            <a:r>
-              <a:rPr lang="en-US" dirty="0"/>
-              <a:t>Building blocks combine to form deep CNNs capable of </a:t>
-            </a:r>
-            <a:r>
-              <a:rPr lang="en-US" dirty="0" err="1"/>
-              <a:t>recognising</a:t>
-            </a:r>
-            <a:r>
-              <a:rPr lang="en-US" dirty="0"/>
-              <a:t> complex patterns in images, speech and beyond.</a:t>
-            </a:r>
-          </a:p>
-          <a:p>
-            <a:pPr marL="457200" indent="-457200">
-              <a:buFont typeface="Arial" panose="020B0604020202020204" pitchFamily="34" charset="0"/>
-              <a:buChar char="•"/>
-            </a:pPr>
-            <a:r>
-              <a:rPr lang="en-US" dirty="0"/>
-              <a:t>Continuous innovation (activations, normalization, architectures) and </a:t>
-            </a:r>
-            <a:r>
-              <a:rPr lang="en-US" dirty="0" err="1"/>
-              <a:t>regularisation</a:t>
-            </a:r>
-            <a:r>
-              <a:rPr lang="en-US" dirty="0"/>
-              <a:t> are key to advancing the state of the art.</a:t>
-            </a:r>
-          </a:p>
-        </p:txBody>
-      </p:sp>
-    </p:spTree>
-    <p:extLst>
-      <p:ext uri="{BB962C8B-B14F-4D97-AF65-F5344CB8AC3E}">
-        <p14:creationId xmlns:p14="http://schemas.microsoft.com/office/powerpoint/2010/main" val="2902375257"/>
-      </p:ext>
-    </p:extLst>
-  </p:cSld>
-  <p:clrMapOvr>
-    <a:masterClrMapping/>
-  </p:clrMapOvr>
-</p:sld>
-</file>
-
-<file path=ppt/slides/slide33.xml><?xml version="1.0" encoding="utf-8"?>
-<p:sld xmlns:a="http://schemas.openxmlformats.org/drawingml/2006/main" xmlns:r="http://schemas.openxmlformats.org/officeDocument/2006/relationships" xmlns:p="http://schemas.openxmlformats.org/presentationml/2006/main">
-  <p:cSld>
-    <p:spTree>
-      <p:nvGrpSpPr>
-        <p:cNvPr id="1" name=""/>
-        <p:cNvGrpSpPr/>
-        <p:nvPr/>
-      </p:nvGrpSpPr>
-      <p:grpSpPr>
-        <a:xfrm>
-          <a:off x="0" y="0"/>
-          <a:ext cx="0" cy="0"/>
-          <a:chOff x="0" y="0"/>
-          <a:chExt cx="0" cy="0"/>
-        </a:xfrm>
-      </p:grpSpPr>
-      <p:sp>
-        <p:nvSpPr>
-          <p:cNvPr id="2" name="Title 1">
-            <a:extLst>
-              <a:ext uri="{FF2B5EF4-FFF2-40B4-BE49-F238E27FC236}">
                 <a16:creationId xmlns:a16="http://schemas.microsoft.com/office/drawing/2014/main" id="{5272E10E-525F-42F7-F943-C6C1FF1B7CC1}"/>
               </a:ext>
             </a:extLst>
@@ -17643,7 +15926,7 @@
 </p:sld>
 </file>
 
-<file path=ppt/slides/slide34.xml><?xml version="1.0" encoding="utf-8"?>
+<file path=ppt/slides/slide32.xml><?xml version="1.0" encoding="utf-8"?>
 <p:sld xmlns:a="http://schemas.openxmlformats.org/drawingml/2006/main" xmlns:r="http://schemas.openxmlformats.org/officeDocument/2006/relationships" xmlns:p="http://schemas.openxmlformats.org/presentationml/2006/main">
   <p:cSld>
     <p:spTree>
@@ -19158,8 +17441,8 @@
           </a:p>
         </p:txBody>
       </p:sp>
-      <mc:AlternateContent xmlns:mc="http://schemas.openxmlformats.org/markup-compatibility/2006">
-        <mc:Choice xmlns:a14="http://schemas.microsoft.com/office/drawing/2010/main" Requires="a14">
+      <mc:AlternateContent xmlns:mc="http://schemas.openxmlformats.org/markup-compatibility/2006" xmlns:a14="http://schemas.microsoft.com/office/drawing/2010/main">
+        <mc:Choice Requires="a14">
           <p:sp>
             <p:nvSpPr>
               <p:cNvPr id="3" name="Content Placeholder 2">
@@ -19392,7 +17675,7 @@
             </p:txBody>
           </p:sp>
         </mc:Choice>
-        <mc:Fallback>
+        <mc:Fallback xmlns="">
           <p:sp>
             <p:nvSpPr>
               <p:cNvPr id="3" name="Content Placeholder 2">
@@ -20896,9 +19179,19 @@
                   <a:rPr lang="en-IE" dirty="0"/>
                   <a:t>and then add </a:t>
                 </a:r>
+                <a14:m>
+                  <m:oMath xmlns:m="http://schemas.openxmlformats.org/officeDocument/2006/math">
+                    <m:r>
+                      <a:rPr lang="el-GR" i="1" dirty="0" smtClean="0">
+                        <a:latin typeface="Cambria Math" panose="02040503050406030204" pitchFamily="18" charset="0"/>
+                      </a:rPr>
+                      <m:t>𝛽</m:t>
+                    </m:r>
+                  </m:oMath>
+                </a14:m>
                 <a:r>
                   <a:rPr lang="el-GR" dirty="0"/>
-                  <a:t>β </a:t>
+                  <a:t> </a:t>
                 </a:r>
                 <a:r>
                   <a:rPr lang="en-IE" dirty="0"/>
@@ -21037,8 +19330,8 @@
           </p:sp>
         </mc:Fallback>
       </mc:AlternateContent>
-      <mc:AlternateContent xmlns:mc="http://schemas.openxmlformats.org/markup-compatibility/2006">
-        <mc:Choice xmlns:a14="http://schemas.microsoft.com/office/drawing/2010/main" Requires="a14">
+      <mc:AlternateContent xmlns:mc="http://schemas.openxmlformats.org/markup-compatibility/2006" xmlns:a14="http://schemas.microsoft.com/office/drawing/2010/main">
+        <mc:Choice Requires="a14">
           <p:graphicFrame>
             <p:nvGraphicFramePr>
               <p:cNvPr id="5" name="Table 0">
@@ -22145,7 +20438,7 @@
             </a:graphic>
           </p:graphicFrame>
         </mc:Choice>
-        <mc:Fallback>
+        <mc:Fallback xmlns="">
           <p:graphicFrame>
             <p:nvGraphicFramePr>
               <p:cNvPr id="5" name="Table 0">
@@ -24939,8 +23232,8 @@
           </a:p>
         </p:txBody>
       </p:sp>
-      <mc:AlternateContent xmlns:mc="http://schemas.openxmlformats.org/markup-compatibility/2006">
-        <mc:Choice xmlns:a14="http://schemas.microsoft.com/office/drawing/2010/main" Requires="a14">
+      <mc:AlternateContent xmlns:mc="http://schemas.openxmlformats.org/markup-compatibility/2006" xmlns:a14="http://schemas.microsoft.com/office/drawing/2010/main">
+        <mc:Choice Requires="a14">
           <p:graphicFrame>
             <p:nvGraphicFramePr>
               <p:cNvPr id="5" name="Table 0">
@@ -26255,7 +24548,7 @@
             </a:graphic>
           </p:graphicFrame>
         </mc:Choice>
-        <mc:Fallback>
+        <mc:Fallback xmlns="">
           <p:graphicFrame>
             <p:nvGraphicFramePr>
               <p:cNvPr id="5" name="Table 0">

--- a/slides/day 2/D2C2_DL_CNN.pptx
+++ b/slides/day 2/D2C2_DL_CNN.pptx
@@ -3932,8 +3932,8 @@
           </a:p>
         </p:txBody>
       </p:sp>
-      <mc:AlternateContent xmlns:mc="http://schemas.openxmlformats.org/markup-compatibility/2006" xmlns:a14="http://schemas.microsoft.com/office/drawing/2010/main">
-        <mc:Choice Requires="a14">
+      <mc:AlternateContent xmlns:mc="http://schemas.openxmlformats.org/markup-compatibility/2006">
+        <mc:Choice xmlns:a14="http://schemas.microsoft.com/office/drawing/2010/main" Requires="a14">
           <p:sp>
             <p:nvSpPr>
               <p:cNvPr id="4" name="Content Placeholder 3">
@@ -4024,16 +4024,8 @@
                   </m:oMath>
                 </a14:m>
                 <a:r>
-                  <a:rPr lang="en-US" dirty="0"/>
-                  <a:t>. </a:t>
-                </a:r>
-                <a:r>
-                  <a:rPr lang="en-US" dirty="0">
-                    <a:solidFill>
-                      <a:srgbClr val="00959F"/>
-                    </a:solidFill>
-                  </a:rPr>
-                  <a:t>Why?</a:t>
+                  <a:rPr lang="en-IE" dirty="0"/>
+                  <a:t> for computational efficiency.</a:t>
                 </a:r>
               </a:p>
               <a:p>
@@ -4048,7 +4040,7 @@
             </p:txBody>
           </p:sp>
         </mc:Choice>
-        <mc:Fallback xmlns="">
+        <mc:Fallback>
           <p:sp>
             <p:nvSpPr>
               <p:cNvPr id="4" name="Content Placeholder 3">
@@ -8395,8 +8387,8 @@
           </a:p>
         </p:txBody>
       </p:sp>
-      <mc:AlternateContent xmlns:mc="http://schemas.openxmlformats.org/markup-compatibility/2006" xmlns:a14="http://schemas.microsoft.com/office/drawing/2010/main">
-        <mc:Choice Requires="a14">
+      <mc:AlternateContent xmlns:mc="http://schemas.openxmlformats.org/markup-compatibility/2006">
+        <mc:Choice xmlns:a14="http://schemas.microsoft.com/office/drawing/2010/main" Requires="a14">
           <p:sp>
             <p:nvSpPr>
               <p:cNvPr id="3" name="Content Placeholder 2">
@@ -8458,6 +8450,16 @@
                 </a:r>
               </a:p>
               <a:p>
+                <a:r>
+                  <a:rPr lang="en-US" dirty="0">
+                    <a:solidFill>
+                      <a:srgbClr val="009749"/>
+                    </a:solidFill>
+                  </a:rPr>
+                  <a:t>Check on board.</a:t>
+                </a:r>
+              </a:p>
+              <a:p>
                 <a:endParaRPr lang="en-US" dirty="0"/>
               </a:p>
               <a:p>
@@ -8466,7 +8468,7 @@
             </p:txBody>
           </p:sp>
         </mc:Choice>
-        <mc:Fallback xmlns="">
+        <mc:Fallback>
           <p:sp>
             <p:nvSpPr>
               <p:cNvPr id="3" name="Content Placeholder 2">
@@ -8520,7 +8522,7 @@
         </p:nvSpPr>
         <p:spPr>
           <a:xfrm>
-            <a:off x="1938398" y="4052236"/>
+            <a:off x="1938398" y="4683608"/>
             <a:ext cx="426720" cy="426720"/>
           </a:xfrm>
           <a:prstGeom prst="rect">
@@ -8562,7 +8564,7 @@
         </p:nvSpPr>
         <p:spPr>
           <a:xfrm>
-            <a:off x="1938398" y="4149772"/>
+            <a:off x="1938398" y="4781144"/>
             <a:ext cx="426720" cy="243840"/>
           </a:xfrm>
           <a:prstGeom prst="rect">
@@ -8601,7 +8603,7 @@
         </p:nvSpPr>
         <p:spPr>
           <a:xfrm>
-            <a:off x="2365118" y="4052236"/>
+            <a:off x="2365118" y="4683608"/>
             <a:ext cx="426720" cy="426720"/>
           </a:xfrm>
           <a:prstGeom prst="rect">
@@ -8643,7 +8645,7 @@
         </p:nvSpPr>
         <p:spPr>
           <a:xfrm>
-            <a:off x="2365118" y="4149772"/>
+            <a:off x="2365118" y="4781144"/>
             <a:ext cx="426720" cy="243840"/>
           </a:xfrm>
           <a:prstGeom prst="rect">
@@ -8682,7 +8684,7 @@
         </p:nvSpPr>
         <p:spPr>
           <a:xfrm>
-            <a:off x="2791838" y="4052236"/>
+            <a:off x="2791838" y="4683608"/>
             <a:ext cx="426720" cy="426720"/>
           </a:xfrm>
           <a:prstGeom prst="rect">
@@ -8724,7 +8726,7 @@
         </p:nvSpPr>
         <p:spPr>
           <a:xfrm>
-            <a:off x="2791838" y="4149772"/>
+            <a:off x="2791838" y="4781144"/>
             <a:ext cx="426720" cy="243840"/>
           </a:xfrm>
           <a:prstGeom prst="rect">
@@ -8763,7 +8765,7 @@
         </p:nvSpPr>
         <p:spPr>
           <a:xfrm>
-            <a:off x="1938398" y="4478956"/>
+            <a:off x="1938398" y="5110328"/>
             <a:ext cx="426720" cy="426720"/>
           </a:xfrm>
           <a:prstGeom prst="rect">
@@ -8805,7 +8807,7 @@
         </p:nvSpPr>
         <p:spPr>
           <a:xfrm>
-            <a:off x="1938398" y="4576492"/>
+            <a:off x="1938398" y="5207864"/>
             <a:ext cx="426720" cy="243840"/>
           </a:xfrm>
           <a:prstGeom prst="rect">
@@ -8844,7 +8846,7 @@
         </p:nvSpPr>
         <p:spPr>
           <a:xfrm>
-            <a:off x="2365118" y="4478956"/>
+            <a:off x="2365118" y="5110328"/>
             <a:ext cx="426720" cy="426720"/>
           </a:xfrm>
           <a:prstGeom prst="rect">
@@ -8886,7 +8888,7 @@
         </p:nvSpPr>
         <p:spPr>
           <a:xfrm>
-            <a:off x="2365118" y="4576492"/>
+            <a:off x="2365118" y="5207864"/>
             <a:ext cx="426720" cy="243840"/>
           </a:xfrm>
           <a:prstGeom prst="rect">
@@ -8925,7 +8927,7 @@
         </p:nvSpPr>
         <p:spPr>
           <a:xfrm>
-            <a:off x="2791838" y="4478956"/>
+            <a:off x="2791838" y="5110328"/>
             <a:ext cx="426720" cy="426720"/>
           </a:xfrm>
           <a:prstGeom prst="rect">
@@ -8967,7 +8969,7 @@
         </p:nvSpPr>
         <p:spPr>
           <a:xfrm>
-            <a:off x="2791838" y="4576492"/>
+            <a:off x="2791838" y="5207864"/>
             <a:ext cx="426720" cy="243840"/>
           </a:xfrm>
           <a:prstGeom prst="rect">
@@ -9006,7 +9008,7 @@
         </p:nvSpPr>
         <p:spPr>
           <a:xfrm>
-            <a:off x="1938398" y="4905676"/>
+            <a:off x="1938398" y="5537048"/>
             <a:ext cx="426720" cy="426720"/>
           </a:xfrm>
           <a:prstGeom prst="rect">
@@ -9048,7 +9050,7 @@
         </p:nvSpPr>
         <p:spPr>
           <a:xfrm>
-            <a:off x="1938398" y="5003212"/>
+            <a:off x="1938398" y="5634584"/>
             <a:ext cx="426720" cy="243840"/>
           </a:xfrm>
           <a:prstGeom prst="rect">
@@ -9087,7 +9089,7 @@
         </p:nvSpPr>
         <p:spPr>
           <a:xfrm>
-            <a:off x="2365118" y="4905676"/>
+            <a:off x="2365118" y="5537048"/>
             <a:ext cx="426720" cy="426720"/>
           </a:xfrm>
           <a:prstGeom prst="rect">
@@ -9129,7 +9131,7 @@
         </p:nvSpPr>
         <p:spPr>
           <a:xfrm>
-            <a:off x="2365118" y="5003212"/>
+            <a:off x="2365118" y="5634584"/>
             <a:ext cx="426720" cy="243840"/>
           </a:xfrm>
           <a:prstGeom prst="rect">
@@ -9168,7 +9170,7 @@
         </p:nvSpPr>
         <p:spPr>
           <a:xfrm>
-            <a:off x="2791838" y="4905676"/>
+            <a:off x="2791838" y="5537048"/>
             <a:ext cx="426720" cy="426720"/>
           </a:xfrm>
           <a:prstGeom prst="rect">
@@ -9210,7 +9212,7 @@
         </p:nvSpPr>
         <p:spPr>
           <a:xfrm>
-            <a:off x="2791838" y="5003212"/>
+            <a:off x="2791838" y="5634584"/>
             <a:ext cx="426720" cy="243840"/>
           </a:xfrm>
           <a:prstGeom prst="rect">
@@ -9249,7 +9251,7 @@
         </p:nvSpPr>
         <p:spPr>
           <a:xfrm>
-            <a:off x="1938398" y="3747436"/>
+            <a:off x="1938398" y="4378808"/>
             <a:ext cx="487680" cy="365760"/>
           </a:xfrm>
           <a:prstGeom prst="rect">
@@ -9287,7 +9289,7 @@
         </p:nvSpPr>
         <p:spPr>
           <a:xfrm>
-            <a:off x="3828158" y="4052236"/>
+            <a:off x="3828158" y="4683608"/>
             <a:ext cx="426720" cy="426720"/>
           </a:xfrm>
           <a:prstGeom prst="rect">
@@ -9329,7 +9331,7 @@
         </p:nvSpPr>
         <p:spPr>
           <a:xfrm>
-            <a:off x="3828158" y="4149772"/>
+            <a:off x="3828158" y="4781144"/>
             <a:ext cx="426720" cy="243840"/>
           </a:xfrm>
           <a:prstGeom prst="rect">
@@ -9368,7 +9370,7 @@
         </p:nvSpPr>
         <p:spPr>
           <a:xfrm>
-            <a:off x="4254878" y="4052236"/>
+            <a:off x="4254878" y="4683608"/>
             <a:ext cx="426720" cy="426720"/>
           </a:xfrm>
           <a:prstGeom prst="rect">
@@ -9410,7 +9412,7 @@
         </p:nvSpPr>
         <p:spPr>
           <a:xfrm>
-            <a:off x="4254878" y="4149772"/>
+            <a:off x="4254878" y="4781144"/>
             <a:ext cx="426720" cy="243840"/>
           </a:xfrm>
           <a:prstGeom prst="rect">
@@ -9449,7 +9451,7 @@
         </p:nvSpPr>
         <p:spPr>
           <a:xfrm>
-            <a:off x="3828158" y="4478956"/>
+            <a:off x="3828158" y="5110328"/>
             <a:ext cx="426720" cy="426720"/>
           </a:xfrm>
           <a:prstGeom prst="rect">
@@ -9491,7 +9493,7 @@
         </p:nvSpPr>
         <p:spPr>
           <a:xfrm>
-            <a:off x="3828158" y="4576492"/>
+            <a:off x="3828158" y="5207864"/>
             <a:ext cx="426720" cy="243840"/>
           </a:xfrm>
           <a:prstGeom prst="rect">
@@ -9530,7 +9532,7 @@
         </p:nvSpPr>
         <p:spPr>
           <a:xfrm>
-            <a:off x="4254878" y="4478956"/>
+            <a:off x="4254878" y="5110328"/>
             <a:ext cx="426720" cy="426720"/>
           </a:xfrm>
           <a:prstGeom prst="rect">
@@ -9572,7 +9574,7 @@
         </p:nvSpPr>
         <p:spPr>
           <a:xfrm>
-            <a:off x="4254878" y="4576492"/>
+            <a:off x="4254878" y="5207864"/>
             <a:ext cx="426720" cy="243840"/>
           </a:xfrm>
           <a:prstGeom prst="rect">
@@ -9611,7 +9613,7 @@
         </p:nvSpPr>
         <p:spPr>
           <a:xfrm>
-            <a:off x="3828158" y="3747436"/>
+            <a:off x="3828158" y="4378808"/>
             <a:ext cx="487680" cy="365760"/>
           </a:xfrm>
           <a:prstGeom prst="rect">
@@ -9649,7 +9651,7 @@
         </p:nvSpPr>
         <p:spPr>
           <a:xfrm>
-            <a:off x="5291198" y="4265596"/>
+            <a:off x="5291198" y="4690140"/>
             <a:ext cx="426720" cy="426720"/>
           </a:xfrm>
           <a:prstGeom prst="rect">
@@ -9691,7 +9693,7 @@
         </p:nvSpPr>
         <p:spPr>
           <a:xfrm>
-            <a:off x="5291198" y="4363132"/>
+            <a:off x="5291198" y="4787676"/>
             <a:ext cx="426720" cy="243840"/>
           </a:xfrm>
           <a:prstGeom prst="rect">
@@ -9730,7 +9732,7 @@
         </p:nvSpPr>
         <p:spPr>
           <a:xfrm>
-            <a:off x="5717918" y="4265596"/>
+            <a:off x="5717918" y="4690140"/>
             <a:ext cx="426720" cy="426720"/>
           </a:xfrm>
           <a:prstGeom prst="rect">
@@ -9772,7 +9774,7 @@
         </p:nvSpPr>
         <p:spPr>
           <a:xfrm>
-            <a:off x="5717918" y="4363132"/>
+            <a:off x="5717918" y="4787676"/>
             <a:ext cx="426720" cy="243840"/>
           </a:xfrm>
           <a:prstGeom prst="rect">
@@ -9811,7 +9813,7 @@
         </p:nvSpPr>
         <p:spPr>
           <a:xfrm>
-            <a:off x="5291198" y="4692316"/>
+            <a:off x="5291198" y="5116860"/>
             <a:ext cx="426720" cy="426720"/>
           </a:xfrm>
           <a:prstGeom prst="rect">
@@ -9853,7 +9855,7 @@
         </p:nvSpPr>
         <p:spPr>
           <a:xfrm>
-            <a:off x="5291198" y="4789852"/>
+            <a:off x="5291198" y="5214396"/>
             <a:ext cx="426720" cy="243840"/>
           </a:xfrm>
           <a:prstGeom prst="rect">
@@ -9892,7 +9894,7 @@
         </p:nvSpPr>
         <p:spPr>
           <a:xfrm>
-            <a:off x="5717918" y="4692316"/>
+            <a:off x="5717918" y="5116860"/>
             <a:ext cx="426720" cy="426720"/>
           </a:xfrm>
           <a:prstGeom prst="rect">
@@ -9934,7 +9936,7 @@
         </p:nvSpPr>
         <p:spPr>
           <a:xfrm>
-            <a:off x="5717918" y="4789852"/>
+            <a:off x="5717918" y="5214396"/>
             <a:ext cx="426720" cy="243840"/>
           </a:xfrm>
           <a:prstGeom prst="rect">
@@ -9973,7 +9975,7 @@
         </p:nvSpPr>
         <p:spPr>
           <a:xfrm>
-            <a:off x="5291198" y="3960796"/>
+            <a:off x="5291198" y="4385340"/>
             <a:ext cx="1219200" cy="365760"/>
           </a:xfrm>
           <a:prstGeom prst="rect">
@@ -19046,8 +19048,8 @@
           </a:p>
         </p:txBody>
       </p:sp>
-      <mc:AlternateContent xmlns:mc="http://schemas.openxmlformats.org/markup-compatibility/2006">
-        <mc:Choice xmlns:a14="http://schemas.microsoft.com/office/drawing/2010/main" Requires="a14">
+      <mc:AlternateContent xmlns:mc="http://schemas.openxmlformats.org/markup-compatibility/2006" xmlns:a14="http://schemas.microsoft.com/office/drawing/2010/main">
+        <mc:Choice Requires="a14">
           <p:sp>
             <p:nvSpPr>
               <p:cNvPr id="3" name="Content Placeholder 2">
@@ -19100,7 +19102,7 @@
               <a:p>
                 <a:r>
                   <a:rPr lang="en-US" dirty="0"/>
-                  <a:t>For each value </a:t>
+                  <a:t>For each input </a:t>
                 </a:r>
                 <a14:m>
                   <m:oMath xmlns:m="http://schemas.openxmlformats.org/officeDocument/2006/math">
@@ -19108,7 +19110,7 @@
                       <a:rPr lang="en-IE" b="0" i="1" dirty="0" smtClean="0">
                         <a:latin typeface="Cambria Math" panose="02040503050406030204" pitchFamily="18" charset="0"/>
                       </a:rPr>
-                      <m:t>𝑥</m:t>
+                      <m:t>h</m:t>
                     </m:r>
                     <m:r>
                       <a:rPr lang="en-US" i="1" dirty="0" smtClean="0">
@@ -19195,7 +19197,7 @@
                 </a:r>
                 <a:r>
                   <a:rPr lang="en-IE" dirty="0"/>
-                  <a:t>to produce the final output.</a:t>
+                  <a:t>to produce the final output. These parameters are learnt apart of the model run</a:t>
                 </a:r>
               </a:p>
               <a:p>
@@ -19286,7 +19288,7 @@
             </p:txBody>
           </p:sp>
         </mc:Choice>
-        <mc:Fallback>
+        <mc:Fallback xmlns="">
           <p:sp>
             <p:nvSpPr>
               <p:cNvPr id="3" name="Content Placeholder 2">
@@ -19347,7 +19349,7 @@
               <p:nvPr>
                 <p:extLst>
                   <p:ext uri="{D42A27DB-BD31-4B8C-83A1-F6EECF244321}">
-                    <p14:modId xmlns:p14="http://schemas.microsoft.com/office/powerpoint/2010/main" val="3139587971"/>
+                    <p14:modId xmlns:p14="http://schemas.microsoft.com/office/powerpoint/2010/main" val="1578487687"/>
                   </p:ext>
                 </p:extLst>
               </p:nvPr>
@@ -19405,7 +19407,7 @@
                                     </a:solidFill>
                                     <a:latin typeface="Cambria Math" panose="02040503050406030204" pitchFamily="18" charset="0"/>
                                   </a:rPr>
-                                  <m:t>𝒙</m:t>
+                                  <m:t>𝒉</m:t>
                                 </m:r>
                                 <m:r>
                                   <a:rPr lang="en-US" sz="1600" b="1" i="1" dirty="0" smtClean="0">
@@ -20454,7 +20456,7 @@
               <p:nvPr>
                 <p:extLst>
                   <p:ext uri="{D42A27DB-BD31-4B8C-83A1-F6EECF244321}">
-                    <p14:modId xmlns:p14="http://schemas.microsoft.com/office/powerpoint/2010/main" val="3139587971"/>
+                    <p14:modId xmlns:p14="http://schemas.microsoft.com/office/powerpoint/2010/main" val="1578487687"/>
                   </p:ext>
                 </p:extLst>
               </p:nvPr>

--- a/slides/day 2/D2C2_DL_CNN.pptx
+++ b/slides/day 2/D2C2_DL_CNN.pptx
@@ -228,7 +228,7 @@
           <a:p>
             <a:fld id="{FF5685EE-3D40-0A4E-BB88-46887330FC0A}" type="datetimeFigureOut">
               <a:rPr lang="en-US" smtClean="0"/>
-              <a:t>9/25/25</a:t>
+              <a:t>9/29/25</a:t>
             </a:fld>
             <a:endParaRPr lang="en-US"/>
           </a:p>
@@ -704,7 +704,7 @@
             <a:fld id="{16F2FB5F-D553-C945-B874-A642CC0C851F}" type="datetime3">
               <a:rPr lang="en-IE" smtClean="0"/>
               <a:pPr/>
-              <a:t>25 September 2025</a:t>
+              <a:t>29 September 2025</a:t>
             </a:fld>
             <a:endParaRPr lang="en-US" dirty="0"/>
           </a:p>
@@ -1562,7 +1562,7 @@
             <a:fld id="{16F2FB5F-D553-C945-B874-A642CC0C851F}" type="datetime3">
               <a:rPr lang="en-IE" smtClean="0"/>
               <a:pPr/>
-              <a:t>25 September 2025</a:t>
+              <a:t>29 September 2025</a:t>
             </a:fld>
             <a:endParaRPr lang="en-US" dirty="0"/>
           </a:p>
@@ -1840,7 +1840,7 @@
             <a:fld id="{16F2FB5F-D553-C945-B874-A642CC0C851F}" type="datetime3">
               <a:rPr lang="en-IE" smtClean="0"/>
               <a:pPr/>
-              <a:t>25 September 2025</a:t>
+              <a:t>29 September 2025</a:t>
             </a:fld>
             <a:endParaRPr lang="en-US" dirty="0"/>
           </a:p>
@@ -3490,43 +3490,6 @@
           </a:p>
         </p:txBody>
       </p:sp>
-      <p:sp>
-        <p:nvSpPr>
-          <p:cNvPr id="4" name="Date Placeholder 3">
-            <a:extLst>
-              <a:ext uri="{FF2B5EF4-FFF2-40B4-BE49-F238E27FC236}">
-                <a16:creationId xmlns:a16="http://schemas.microsoft.com/office/drawing/2014/main" id="{2C83DDF0-7F71-C659-1382-6A998C0FCCEF}"/>
-              </a:ext>
-            </a:extLst>
-          </p:cNvPr>
-          <p:cNvSpPr>
-            <a:spLocks noGrp="1"/>
-          </p:cNvSpPr>
-          <p:nvPr>
-            <p:ph type="dt" sz="half" idx="10"/>
-          </p:nvPr>
-        </p:nvSpPr>
-        <p:spPr/>
-        <p:txBody>
-          <a:bodyPr/>
-          <a:lstStyle/>
-          <a:p>
-            <a:r>
-              <a:rPr lang="en-IE" dirty="0"/>
-              <a:t>7</a:t>
-            </a:r>
-            <a:r>
-              <a:rPr lang="en-IE" baseline="30000" dirty="0"/>
-              <a:t>th</a:t>
-            </a:r>
-            <a:r>
-              <a:rPr lang="en-IE" dirty="0"/>
-              <a:t> October 2025</a:t>
-            </a:r>
-            <a:endParaRPr lang="en-US" dirty="0"/>
-          </a:p>
-        </p:txBody>
-      </p:sp>
     </p:spTree>
     <p:extLst>
       <p:ext uri="{BB962C8B-B14F-4D97-AF65-F5344CB8AC3E}">
@@ -3932,8 +3895,8 @@
           </a:p>
         </p:txBody>
       </p:sp>
-      <mc:AlternateContent xmlns:mc="http://schemas.openxmlformats.org/markup-compatibility/2006">
-        <mc:Choice xmlns:a14="http://schemas.microsoft.com/office/drawing/2010/main" Requires="a14">
+      <mc:AlternateContent xmlns:mc="http://schemas.openxmlformats.org/markup-compatibility/2006" xmlns:a14="http://schemas.microsoft.com/office/drawing/2010/main">
+        <mc:Choice Requires="a14">
           <p:sp>
             <p:nvSpPr>
               <p:cNvPr id="4" name="Content Placeholder 3">
@@ -4040,7 +4003,7 @@
             </p:txBody>
           </p:sp>
         </mc:Choice>
-        <mc:Fallback>
+        <mc:Fallback xmlns="">
           <p:sp>
             <p:nvSpPr>
               <p:cNvPr id="4" name="Content Placeholder 3">
@@ -6169,7 +6132,7 @@
           <a:p>
             <a:fld id="{BEF41344-4D35-F145-B477-F6239A2130EE}" type="datetime3">
               <a:rPr lang="en-IE" smtClean="0"/>
-              <a:t>25 September 2025</a:t>
+              <a:t>29 September 2025</a:t>
             </a:fld>
             <a:endParaRPr lang="en-US"/>
           </a:p>
@@ -7077,7 +7040,7 @@
           <a:p>
             <a:fld id="{BEF41344-4D35-F145-B477-F6239A2130EE}" type="datetime3">
               <a:rPr lang="en-IE" smtClean="0"/>
-              <a:t>25 September 2025</a:t>
+              <a:t>29 September 2025</a:t>
             </a:fld>
             <a:endParaRPr lang="en-US"/>
           </a:p>
@@ -8387,8 +8350,8 @@
           </a:p>
         </p:txBody>
       </p:sp>
-      <mc:AlternateContent xmlns:mc="http://schemas.openxmlformats.org/markup-compatibility/2006">
-        <mc:Choice xmlns:a14="http://schemas.microsoft.com/office/drawing/2010/main" Requires="a14">
+      <mc:AlternateContent xmlns:mc="http://schemas.openxmlformats.org/markup-compatibility/2006" xmlns:a14="http://schemas.microsoft.com/office/drawing/2010/main">
+        <mc:Choice Requires="a14">
           <p:sp>
             <p:nvSpPr>
               <p:cNvPr id="3" name="Content Placeholder 2">
@@ -8468,7 +8431,7 @@
             </p:txBody>
           </p:sp>
         </mc:Choice>
-        <mc:Fallback>
+        <mc:Fallback xmlns="">
           <p:sp>
             <p:nvSpPr>
               <p:cNvPr id="3" name="Content Placeholder 2">

--- a/slides/day 2/D2C2_DL_CNN.pptx
+++ b/slides/day 2/D2C2_DL_CNN.pptx
@@ -227,7 +227,7 @@
           <a:p>
             <a:fld id="{FF5685EE-3D40-0A4E-BB88-46887330FC0A}" type="datetimeFigureOut">
               <a:rPr lang="en-US" smtClean="0"/>
-              <a:t>10/1/25</a:t>
+              <a:t>10/3/25</a:t>
             </a:fld>
             <a:endParaRPr lang="en-US"/>
           </a:p>
@@ -865,7 +865,7 @@
           <a:p>
             <a:fld id="{8402DD8C-B513-A24F-856F-6B1204A1084C}" type="datetime3">
               <a:rPr lang="en-IE" smtClean="0"/>
-              <a:t>1 October 2025</a:t>
+              <a:t>3 October 2025</a:t>
             </a:fld>
             <a:endParaRPr lang="en-US" dirty="0"/>
           </a:p>
@@ -1722,7 +1722,7 @@
           <a:p>
             <a:fld id="{84B1C4E6-D34A-5D40-8468-DD831C2F8A2D}" type="datetime3">
               <a:rPr lang="en-IE" smtClean="0"/>
-              <a:t>1 October 2025</a:t>
+              <a:t>3 October 2025</a:t>
             </a:fld>
             <a:endParaRPr lang="en-US" dirty="0"/>
           </a:p>
@@ -1999,7 +1999,7 @@
           <a:p>
             <a:fld id="{C73BD204-E1E8-EA49-A9F1-1BFFFCE3B5E1}" type="datetime3">
               <a:rPr lang="en-IE" smtClean="0"/>
-              <a:t>1 October 2025</a:t>
+              <a:t>3 October 2025</a:t>
             </a:fld>
             <a:endParaRPr lang="en-US" dirty="0"/>
           </a:p>
@@ -12322,8 +12322,8 @@
           </a:p>
         </p:txBody>
       </p:sp>
-      <mc:AlternateContent xmlns:mc="http://schemas.openxmlformats.org/markup-compatibility/2006">
-        <mc:Choice xmlns:a14="http://schemas.microsoft.com/office/drawing/2010/main" Requires="a14">
+      <mc:AlternateContent xmlns:mc="http://schemas.openxmlformats.org/markup-compatibility/2006" xmlns:a14="http://schemas.microsoft.com/office/drawing/2010/main">
+        <mc:Choice Requires="a14">
           <p:sp>
             <p:nvSpPr>
               <p:cNvPr id="3" name="Content Placeholder 2">
@@ -12465,7 +12465,7 @@
             </p:txBody>
           </p:sp>
         </mc:Choice>
-        <mc:Fallback>
+        <mc:Fallback xmlns="">
           <p:sp>
             <p:nvSpPr>
               <p:cNvPr id="3" name="Content Placeholder 2">
@@ -18531,8 +18531,8 @@
           </a:p>
         </p:txBody>
       </p:sp>
-      <mc:AlternateContent xmlns:mc="http://schemas.openxmlformats.org/markup-compatibility/2006">
-        <mc:Choice xmlns:a14="http://schemas.microsoft.com/office/drawing/2010/main" Requires="a14">
+      <mc:AlternateContent xmlns:mc="http://schemas.openxmlformats.org/markup-compatibility/2006" xmlns:a14="http://schemas.microsoft.com/office/drawing/2010/main">
+        <mc:Choice Requires="a14">
           <p:graphicFrame>
             <p:nvGraphicFramePr>
               <p:cNvPr id="7" name="Table 0">
@@ -19431,6 +19431,7 @@
                               </m:oMath>
                             </m:oMathPara>
                           </a14:m>
+                          <a:endParaRPr/>
                         </a:p>
                       </a:txBody>
                       <a:tcPr marL="121920" marR="121920" marT="60960" marB="60960" anchor="ctr">
@@ -19540,7 +19541,7 @@
             </a:graphic>
           </p:graphicFrame>
         </mc:Choice>
-        <mc:Fallback>
+        <mc:Fallback xmlns="">
           <p:graphicFrame>
             <p:nvGraphicFramePr>
               <p:cNvPr id="7" name="Table 0">
@@ -22414,8 +22415,8 @@
           </a:p>
         </p:txBody>
       </p:sp>
-      <mc:AlternateContent xmlns:mc="http://schemas.openxmlformats.org/markup-compatibility/2006">
-        <mc:Choice xmlns:a14="http://schemas.microsoft.com/office/drawing/2010/main" Requires="a14">
+      <mc:AlternateContent xmlns:mc="http://schemas.openxmlformats.org/markup-compatibility/2006" xmlns:a14="http://schemas.microsoft.com/office/drawing/2010/main">
+        <mc:Choice Requires="a14">
           <p:sp>
             <p:nvSpPr>
               <p:cNvPr id="3" name="Content Placeholder 2">
@@ -22654,7 +22655,7 @@
             </p:txBody>
           </p:sp>
         </mc:Choice>
-        <mc:Fallback>
+        <mc:Fallback xmlns="">
           <p:sp>
             <p:nvSpPr>
               <p:cNvPr id="3" name="Content Placeholder 2">

--- a/slides/day 2/D2C2_DL_CNN.pptx
+++ b/slides/day 2/D2C2_DL_CNN.pptx
@@ -227,7 +227,7 @@
           <a:p>
             <a:fld id="{FF5685EE-3D40-0A4E-BB88-46887330FC0A}" type="datetimeFigureOut">
               <a:rPr lang="en-US" smtClean="0"/>
-              <a:t>10/3/25</a:t>
+              <a:t>10/4/2025</a:t>
             </a:fld>
             <a:endParaRPr lang="en-US"/>
           </a:p>
@@ -865,7 +865,7 @@
           <a:p>
             <a:fld id="{8402DD8C-B513-A24F-856F-6B1204A1084C}" type="datetime3">
               <a:rPr lang="en-IE" smtClean="0"/>
-              <a:t>3 October 2025</a:t>
+              <a:t>4 October 2025</a:t>
             </a:fld>
             <a:endParaRPr lang="en-US" dirty="0"/>
           </a:p>
@@ -1722,7 +1722,7 @@
           <a:p>
             <a:fld id="{84B1C4E6-D34A-5D40-8468-DD831C2F8A2D}" type="datetime3">
               <a:rPr lang="en-IE" smtClean="0"/>
-              <a:t>3 October 2025</a:t>
+              <a:t>4 October 2025</a:t>
             </a:fld>
             <a:endParaRPr lang="en-US" dirty="0"/>
           </a:p>
@@ -1999,7 +1999,7 @@
           <a:p>
             <a:fld id="{C73BD204-E1E8-EA49-A9F1-1BFFFCE3B5E1}" type="datetime3">
               <a:rPr lang="en-IE" smtClean="0"/>
-              <a:t>3 October 2025</a:t>
+              <a:t>4 October 2025</a:t>
             </a:fld>
             <a:endParaRPr lang="en-US" dirty="0"/>
           </a:p>
@@ -3733,7 +3733,7 @@
           <a:p>
             <a:r>
               <a:rPr lang="en-US" dirty="0"/>
-              <a:t>e.g. spatial data, images, sound files</a:t>
+              <a:t>e.g. spatial data, satellite images, sound files</a:t>
             </a:r>
           </a:p>
           <a:p>
@@ -7346,15 +7346,7 @@
           <a:p>
             <a:r>
               <a:rPr lang="en-US" dirty="0"/>
-              <a:t>Pooling </a:t>
-            </a:r>
-            <a:r>
-              <a:rPr lang="en-US" dirty="0" err="1"/>
-              <a:t>downsamples</a:t>
-            </a:r>
-            <a:r>
-              <a:rPr lang="en-US" dirty="0"/>
-              <a:t> feature maps, </a:t>
+              <a:t>Pooling down-samples feature maps, </a:t>
             </a:r>
             <a:r>
               <a:rPr lang="en-US" dirty="0" err="1"/>
@@ -12056,35 +12048,6 @@
       </p:grpSpPr>
       <p:sp>
         <p:nvSpPr>
-          <p:cNvPr id="3" name="Text 1"/>
-          <p:cNvSpPr/>
-          <p:nvPr/>
-        </p:nvSpPr>
-        <p:spPr>
-          <a:xfrm>
-            <a:off x="0" y="1690688"/>
-            <a:ext cx="10728960" cy="4267200"/>
-          </a:xfrm>
-          <a:prstGeom prst="rect">
-            <a:avLst/>
-          </a:prstGeom>
-          <a:noFill/>
-          <a:ln/>
-        </p:spPr>
-        <p:txBody>
-          <a:bodyPr wrap="square" lIns="0" tIns="0" rIns="0" bIns="0" rtlCol="0" anchor="ctr"/>
-          <a:lstStyle/>
-          <a:p>
-            <a:pPr marL="253994" indent="-253994">
-              <a:buSzPct val="100000"/>
-              <a:buChar char="•"/>
-            </a:pPr>
-            <a:endParaRPr lang="en-US" sz="1600" dirty="0"/>
-          </a:p>
-        </p:txBody>
-      </p:sp>
-      <p:sp>
-        <p:nvSpPr>
           <p:cNvPr id="4" name="Text 2"/>
           <p:cNvSpPr/>
           <p:nvPr/>
@@ -12184,12 +12147,6 @@
             <a:normAutofit/>
           </a:bodyPr>
           <a:lstStyle/>
-          <a:p>
-            <a:r>
-              <a:rPr lang="en-US" dirty="0"/>
-              <a:t>Recap: dense neural networks</a:t>
-            </a:r>
-          </a:p>
           <a:p>
             <a:r>
               <a:rPr lang="en-US" dirty="0"/>
@@ -20631,7 +20588,7 @@
             </a:r>
             <a:r>
               <a:rPr lang="en-US" dirty="0"/>
-              <a:t>, sigmoid, and tanh activation functions, but there are many other ways to play with hidden neurons</a:t>
+              <a:t>, sigmoid, and tanh activation functions, but there are many other ways to play with hidden neurons.</a:t>
             </a:r>
           </a:p>
           <a:p>

--- a/slides/day 2/D2C2_DL_CNN.pptx
+++ b/slides/day 2/D2C2_DL_CNN.pptx
@@ -227,7 +227,7 @@
           <a:p>
             <a:fld id="{FF5685EE-3D40-0A4E-BB88-46887330FC0A}" type="datetimeFigureOut">
               <a:rPr lang="en-US" smtClean="0"/>
-              <a:t>10/4/2025</a:t>
+              <a:t>10/6/25</a:t>
             </a:fld>
             <a:endParaRPr lang="en-US"/>
           </a:p>
@@ -865,7 +865,7 @@
           <a:p>
             <a:fld id="{8402DD8C-B513-A24F-856F-6B1204A1084C}" type="datetime3">
               <a:rPr lang="en-IE" smtClean="0"/>
-              <a:t>4 October 2025</a:t>
+              <a:t>6 October 2025</a:t>
             </a:fld>
             <a:endParaRPr lang="en-US" dirty="0"/>
           </a:p>
@@ -1722,7 +1722,7 @@
           <a:p>
             <a:fld id="{84B1C4E6-D34A-5D40-8468-DD831C2F8A2D}" type="datetime3">
               <a:rPr lang="en-IE" smtClean="0"/>
-              <a:t>4 October 2025</a:t>
+              <a:t>6 October 2025</a:t>
             </a:fld>
             <a:endParaRPr lang="en-US" dirty="0"/>
           </a:p>
@@ -1999,7 +1999,7 @@
           <a:p>
             <a:fld id="{C73BD204-E1E8-EA49-A9F1-1BFFFCE3B5E1}" type="datetime3">
               <a:rPr lang="en-IE" smtClean="0"/>
-              <a:t>4 October 2025</a:t>
+              <a:t>6 October 2025</a:t>
             </a:fld>
             <a:endParaRPr lang="en-US" dirty="0"/>
           </a:p>
@@ -18227,7 +18227,7 @@
         </p:spPr>
         <p:txBody>
           <a:bodyPr>
-            <a:normAutofit fontScale="92500" lnSpcReduction="10000"/>
+            <a:normAutofit fontScale="77500" lnSpcReduction="20000"/>
           </a:bodyPr>
           <a:lstStyle/>
           <a:p>
@@ -18272,6 +18272,24 @@
             <a:r>
               <a:rPr lang="en-US" dirty="0"/>
               <a:t> to predict a response variable from some covariates</a:t>
+            </a:r>
+          </a:p>
+          <a:p>
+            <a:pPr marL="514350" indent="-514350">
+              <a:buFont typeface="+mj-lt"/>
+              <a:buAutoNum type="arabicPeriod"/>
+            </a:pPr>
+            <a:r>
+              <a:rPr lang="en-US" dirty="0"/>
+              <a:t>(Advanced: try to find some satellite images of Ireland (Lough Neigh?) over time and see if you can see changes in the </a:t>
+            </a:r>
+            <a:r>
+              <a:rPr lang="en-US" dirty="0" err="1"/>
+              <a:t>colours</a:t>
+            </a:r>
+            <a:r>
+              <a:rPr lang="en-US" dirty="0"/>
+              <a:t> </a:t>
             </a:r>
           </a:p>
           <a:p>

--- a/slides/day 2/D2C2_DL_CNN.pptx
+++ b/slides/day 2/D2C2_DL_CNN.pptx
@@ -22385,7 +22385,15 @@
           <a:p>
             <a:r>
               <a:rPr lang="en-US" dirty="0"/>
-              <a:t>Batch normalization example</a:t>
+              <a:t>Batch </a:t>
+            </a:r>
+            <a:r>
+              <a:rPr lang="en-US" dirty="0" err="1"/>
+              <a:t>normalisation</a:t>
+            </a:r>
+            <a:r>
+              <a:rPr lang="en-US" dirty="0"/>
+              <a:t> example</a:t>
             </a:r>
           </a:p>
         </p:txBody>
